--- a/SpamOrHam.pptx
+++ b/SpamOrHam.pptx
@@ -16,22 +16,24 @@
     <p:sldId id="282" r:id="rId10"/>
     <p:sldId id="283" r:id="rId11"/>
     <p:sldId id="284" r:id="rId12"/>
-    <p:sldId id="279" r:id="rId13"/>
-    <p:sldId id="264" r:id="rId14"/>
-    <p:sldId id="265" r:id="rId15"/>
-    <p:sldId id="266" r:id="rId16"/>
-    <p:sldId id="267" r:id="rId17"/>
-    <p:sldId id="268" r:id="rId18"/>
-    <p:sldId id="269" r:id="rId19"/>
-    <p:sldId id="270" r:id="rId20"/>
-    <p:sldId id="271" r:id="rId21"/>
-    <p:sldId id="273" r:id="rId22"/>
-    <p:sldId id="274" r:id="rId23"/>
-    <p:sldId id="261" r:id="rId24"/>
-    <p:sldId id="275" r:id="rId25"/>
-    <p:sldId id="276" r:id="rId26"/>
-    <p:sldId id="260" r:id="rId27"/>
-    <p:sldId id="262" r:id="rId28"/>
+    <p:sldId id="285" r:id="rId13"/>
+    <p:sldId id="286" r:id="rId14"/>
+    <p:sldId id="279" r:id="rId15"/>
+    <p:sldId id="264" r:id="rId16"/>
+    <p:sldId id="265" r:id="rId17"/>
+    <p:sldId id="266" r:id="rId18"/>
+    <p:sldId id="267" r:id="rId19"/>
+    <p:sldId id="268" r:id="rId20"/>
+    <p:sldId id="269" r:id="rId21"/>
+    <p:sldId id="270" r:id="rId22"/>
+    <p:sldId id="271" r:id="rId23"/>
+    <p:sldId id="273" r:id="rId24"/>
+    <p:sldId id="274" r:id="rId25"/>
+    <p:sldId id="261" r:id="rId26"/>
+    <p:sldId id="275" r:id="rId27"/>
+    <p:sldId id="276" r:id="rId28"/>
+    <p:sldId id="260" r:id="rId29"/>
+    <p:sldId id="262" r:id="rId30"/>
   </p:sldIdLst>
   <p:sldSz cx="12192000" cy="6858000"/>
   <p:notesSz cx="6858000" cy="9144000"/>
@@ -132,7 +134,7 @@
   </p:defaultTextStyle>
   <p:extLst>
     <p:ext uri="{EFAFB233-063F-42B5-8137-9DF3F51BA10A}">
-      <p15:sldGuideLst xmlns:p15="http://schemas.microsoft.com/office/powerpoint/2012/main">
+      <p15:sldGuideLst xmlns:p15="http://schemas.microsoft.com/office/powerpoint/2012/main" xmlns="">
         <p15:guide id="1" orient="horz" pos="2160">
           <p15:clr>
             <a:srgbClr val="A4A3A4"/>
@@ -436,7 +438,7 @@
           <a:p>
             <a:fld id="{8F43537C-1D92-4397-A750-BFED7710E143}" type="datetimeFigureOut">
               <a:rPr lang="en-AU" smtClean="0"/>
-              <a:t>6/08/2019</a:t>
+              <a:t>7/08/2019</a:t>
             </a:fld>
             <a:endParaRPr lang="en-AU"/>
           </a:p>
@@ -754,7 +756,7 @@
           <a:p>
             <a:fld id="{8F43537C-1D92-4397-A750-BFED7710E143}" type="datetimeFigureOut">
               <a:rPr lang="en-AU" smtClean="0"/>
-              <a:t>6/08/2019</a:t>
+              <a:t>7/08/2019</a:t>
             </a:fld>
             <a:endParaRPr lang="en-AU"/>
           </a:p>
@@ -1242,7 +1244,7 @@
           <a:p>
             <a:fld id="{8F43537C-1D92-4397-A750-BFED7710E143}" type="datetimeFigureOut">
               <a:rPr lang="en-AU" smtClean="0"/>
-              <a:t>6/08/2019</a:t>
+              <a:t>7/08/2019</a:t>
             </a:fld>
             <a:endParaRPr lang="en-AU"/>
           </a:p>
@@ -1611,7 +1613,7 @@
           <a:p>
             <a:fld id="{8F43537C-1D92-4397-A750-BFED7710E143}" type="datetimeFigureOut">
               <a:rPr lang="en-AU" smtClean="0"/>
-              <a:t>6/08/2019</a:t>
+              <a:t>7/08/2019</a:t>
             </a:fld>
             <a:endParaRPr lang="en-AU"/>
           </a:p>
@@ -1884,7 +1886,7 @@
           <a:p>
             <a:fld id="{8F43537C-1D92-4397-A750-BFED7710E143}" type="datetimeFigureOut">
               <a:rPr lang="en-AU" smtClean="0"/>
-              <a:t>6/08/2019</a:t>
+              <a:t>7/08/2019</a:t>
             </a:fld>
             <a:endParaRPr lang="en-AU"/>
           </a:p>
@@ -2169,7 +2171,7 @@
           <a:p>
             <a:fld id="{8F43537C-1D92-4397-A750-BFED7710E143}" type="datetimeFigureOut">
               <a:rPr lang="en-AU" smtClean="0"/>
-              <a:t>6/08/2019</a:t>
+              <a:t>7/08/2019</a:t>
             </a:fld>
             <a:endParaRPr lang="en-AU"/>
           </a:p>
@@ -2452,7 +2454,7 @@
           <a:p>
             <a:fld id="{8F43537C-1D92-4397-A750-BFED7710E143}" type="datetimeFigureOut">
               <a:rPr lang="en-AU" smtClean="0"/>
-              <a:t>6/08/2019</a:t>
+              <a:t>7/08/2019</a:t>
             </a:fld>
             <a:endParaRPr lang="en-AU"/>
           </a:p>
@@ -2795,7 +2797,7 @@
           <a:p>
             <a:fld id="{8F43537C-1D92-4397-A750-BFED7710E143}" type="datetimeFigureOut">
               <a:rPr lang="en-AU" smtClean="0"/>
-              <a:t>6/08/2019</a:t>
+              <a:t>7/08/2019</a:t>
             </a:fld>
             <a:endParaRPr lang="en-AU"/>
           </a:p>
@@ -3134,7 +3136,7 @@
           <a:p>
             <a:fld id="{8F43537C-1D92-4397-A750-BFED7710E143}" type="datetimeFigureOut">
               <a:rPr lang="en-AU" smtClean="0"/>
-              <a:t>6/08/2019</a:t>
+              <a:t>7/08/2019</a:t>
             </a:fld>
             <a:endParaRPr lang="en-AU"/>
           </a:p>
@@ -3611,7 +3613,7 @@
           <a:p>
             <a:fld id="{8F43537C-1D92-4397-A750-BFED7710E143}" type="datetimeFigureOut">
               <a:rPr lang="en-AU" smtClean="0"/>
-              <a:t>6/08/2019</a:t>
+              <a:t>7/08/2019</a:t>
             </a:fld>
             <a:endParaRPr lang="en-AU"/>
           </a:p>
@@ -3832,7 +3834,7 @@
           <a:p>
             <a:fld id="{8F43537C-1D92-4397-A750-BFED7710E143}" type="datetimeFigureOut">
               <a:rPr lang="en-AU" smtClean="0"/>
-              <a:t>6/08/2019</a:t>
+              <a:t>7/08/2019</a:t>
             </a:fld>
             <a:endParaRPr lang="en-AU"/>
           </a:p>
@@ -3927,7 +3929,7 @@
           <a:p>
             <a:fld id="{8F43537C-1D92-4397-A750-BFED7710E143}" type="datetimeFigureOut">
               <a:rPr lang="en-AU" smtClean="0"/>
-              <a:t>6/08/2019</a:t>
+              <a:t>7/08/2019</a:t>
             </a:fld>
             <a:endParaRPr lang="en-AU"/>
           </a:p>
@@ -4394,7 +4396,7 @@
           <a:p>
             <a:fld id="{8F43537C-1D92-4397-A750-BFED7710E143}" type="datetimeFigureOut">
               <a:rPr lang="en-AU" smtClean="0"/>
-              <a:t>6/08/2019</a:t>
+              <a:t>7/08/2019</a:t>
             </a:fld>
             <a:endParaRPr lang="en-AU"/>
           </a:p>
@@ -4707,7 +4709,7 @@
           <a:p>
             <a:fld id="{8F43537C-1D92-4397-A750-BFED7710E143}" type="datetimeFigureOut">
               <a:rPr lang="en-AU" smtClean="0"/>
-              <a:t>6/08/2019</a:t>
+              <a:t>7/08/2019</a:t>
             </a:fld>
             <a:endParaRPr lang="en-AU"/>
           </a:p>
@@ -4977,7 +4979,7 @@
           <a:p>
             <a:fld id="{8F43537C-1D92-4397-A750-BFED7710E143}" type="datetimeFigureOut">
               <a:rPr lang="en-AU" smtClean="0"/>
-              <a:t>6/08/2019</a:t>
+              <a:t>7/08/2019</a:t>
             </a:fld>
             <a:endParaRPr lang="en-AU"/>
           </a:p>
@@ -5543,7 +5545,7 @@
           <p:cNvPr id="14" name="Content Placeholder 2">
             <a:extLst>
               <a:ext uri="{FF2B5EF4-FFF2-40B4-BE49-F238E27FC236}">
-                <a16:creationId xmlns:a16="http://schemas.microsoft.com/office/drawing/2014/main" id="{BF299CF4-6352-4536-8C0B-7E42C42378CD}"/>
+                <a16:creationId xmlns:a16="http://schemas.microsoft.com/office/drawing/2014/main" xmlns="" id="{BF299CF4-6352-4536-8C0B-7E42C42378CD}"/>
               </a:ext>
             </a:extLst>
           </p:cNvPr>
@@ -5604,7 +5606,7 @@
           <p:cNvPr id="15" name="표 14">
             <a:extLst>
               <a:ext uri="{FF2B5EF4-FFF2-40B4-BE49-F238E27FC236}">
-                <a16:creationId xmlns:a16="http://schemas.microsoft.com/office/drawing/2014/main" id="{3B614693-8AEE-484C-84B7-D8D9CF8D1B8A}"/>
+                <a16:creationId xmlns:a16="http://schemas.microsoft.com/office/drawing/2014/main" xmlns="" id="{3B614693-8AEE-484C-84B7-D8D9CF8D1B8A}"/>
               </a:ext>
             </a:extLst>
           </p:cNvPr>
@@ -5633,49 +5635,49 @@
                 <a:gridCol w="1568385">
                   <a:extLst>
                     <a:ext uri="{9D8B030D-6E8A-4147-A177-3AD203B41FA5}">
-                      <a16:colId xmlns:a16="http://schemas.microsoft.com/office/drawing/2014/main" val="332896287"/>
+                      <a16:colId xmlns:a16="http://schemas.microsoft.com/office/drawing/2014/main" xmlns="" val="332896287"/>
                     </a:ext>
                   </a:extLst>
                 </a:gridCol>
                 <a:gridCol w="1197073">
                   <a:extLst>
                     <a:ext uri="{9D8B030D-6E8A-4147-A177-3AD203B41FA5}">
-                      <a16:colId xmlns:a16="http://schemas.microsoft.com/office/drawing/2014/main" val="3011235510"/>
+                      <a16:colId xmlns:a16="http://schemas.microsoft.com/office/drawing/2014/main" xmlns="" val="3011235510"/>
                     </a:ext>
                   </a:extLst>
                 </a:gridCol>
                 <a:gridCol w="1197073">
                   <a:extLst>
                     <a:ext uri="{9D8B030D-6E8A-4147-A177-3AD203B41FA5}">
-                      <a16:colId xmlns:a16="http://schemas.microsoft.com/office/drawing/2014/main" val="1181593252"/>
+                      <a16:colId xmlns:a16="http://schemas.microsoft.com/office/drawing/2014/main" xmlns="" val="1181593252"/>
                     </a:ext>
                   </a:extLst>
                 </a:gridCol>
                 <a:gridCol w="1197073">
                   <a:extLst>
                     <a:ext uri="{9D8B030D-6E8A-4147-A177-3AD203B41FA5}">
-                      <a16:colId xmlns:a16="http://schemas.microsoft.com/office/drawing/2014/main" val="312359330"/>
+                      <a16:colId xmlns:a16="http://schemas.microsoft.com/office/drawing/2014/main" xmlns="" val="312359330"/>
                     </a:ext>
                   </a:extLst>
                 </a:gridCol>
                 <a:gridCol w="1299076">
                   <a:extLst>
                     <a:ext uri="{9D8B030D-6E8A-4147-A177-3AD203B41FA5}">
-                      <a16:colId xmlns:a16="http://schemas.microsoft.com/office/drawing/2014/main" val="2961704605"/>
+                      <a16:colId xmlns:a16="http://schemas.microsoft.com/office/drawing/2014/main" xmlns="" val="2961704605"/>
                     </a:ext>
                   </a:extLst>
                 </a:gridCol>
                 <a:gridCol w="1299076">
                   <a:extLst>
                     <a:ext uri="{9D8B030D-6E8A-4147-A177-3AD203B41FA5}">
-                      <a16:colId xmlns:a16="http://schemas.microsoft.com/office/drawing/2014/main" val="3495602033"/>
+                      <a16:colId xmlns:a16="http://schemas.microsoft.com/office/drawing/2014/main" xmlns="" val="3495602033"/>
                     </a:ext>
                   </a:extLst>
                 </a:gridCol>
                 <a:gridCol w="1299076">
                   <a:extLst>
                     <a:ext uri="{9D8B030D-6E8A-4147-A177-3AD203B41FA5}">
-                      <a16:colId xmlns:a16="http://schemas.microsoft.com/office/drawing/2014/main" val="318467248"/>
+                      <a16:colId xmlns:a16="http://schemas.microsoft.com/office/drawing/2014/main" xmlns="" val="318467248"/>
                     </a:ext>
                   </a:extLst>
                 </a:gridCol>
@@ -5836,7 +5838,7 @@
                 </a:tc>
                 <a:extLst>
                   <a:ext uri="{0D108BD9-81ED-4DB2-BD59-A6C34878D82A}">
-                    <a16:rowId xmlns:a16="http://schemas.microsoft.com/office/drawing/2014/main" val="1349001174"/>
+                    <a16:rowId xmlns:a16="http://schemas.microsoft.com/office/drawing/2014/main" xmlns="" val="1349001174"/>
                   </a:ext>
                 </a:extLst>
               </a:tr>
@@ -5948,7 +5950,7 @@
                 </a:tc>
                 <a:extLst>
                   <a:ext uri="{0D108BD9-81ED-4DB2-BD59-A6C34878D82A}">
-                    <a16:rowId xmlns:a16="http://schemas.microsoft.com/office/drawing/2014/main" val="811061487"/>
+                    <a16:rowId xmlns:a16="http://schemas.microsoft.com/office/drawing/2014/main" xmlns="" val="811061487"/>
                   </a:ext>
                 </a:extLst>
               </a:tr>
@@ -6067,7 +6069,7 @@
                 </a:tc>
                 <a:extLst>
                   <a:ext uri="{0D108BD9-81ED-4DB2-BD59-A6C34878D82A}">
-                    <a16:rowId xmlns:a16="http://schemas.microsoft.com/office/drawing/2014/main" val="1395679264"/>
+                    <a16:rowId xmlns:a16="http://schemas.microsoft.com/office/drawing/2014/main" xmlns="" val="1395679264"/>
                   </a:ext>
                 </a:extLst>
               </a:tr>
@@ -6218,7 +6220,7 @@
                 </a:tc>
                 <a:extLst>
                   <a:ext uri="{0D108BD9-81ED-4DB2-BD59-A6C34878D82A}">
-                    <a16:rowId xmlns:a16="http://schemas.microsoft.com/office/drawing/2014/main" val="208138647"/>
+                    <a16:rowId xmlns:a16="http://schemas.microsoft.com/office/drawing/2014/main" xmlns="" val="208138647"/>
                   </a:ext>
                 </a:extLst>
               </a:tr>
@@ -6369,7 +6371,7 @@
                 </a:tc>
                 <a:extLst>
                   <a:ext uri="{0D108BD9-81ED-4DB2-BD59-A6C34878D82A}">
-                    <a16:rowId xmlns:a16="http://schemas.microsoft.com/office/drawing/2014/main" val="404543529"/>
+                    <a16:rowId xmlns:a16="http://schemas.microsoft.com/office/drawing/2014/main" xmlns="" val="404543529"/>
                   </a:ext>
                 </a:extLst>
               </a:tr>
@@ -6382,7 +6384,7 @@
           <p:cNvPr id="16" name="Content Placeholder 2">
             <a:extLst>
               <a:ext uri="{FF2B5EF4-FFF2-40B4-BE49-F238E27FC236}">
-                <a16:creationId xmlns:a16="http://schemas.microsoft.com/office/drawing/2014/main" id="{0CE79A8F-152E-44AA-BB59-D124E690348E}"/>
+                <a16:creationId xmlns:a16="http://schemas.microsoft.com/office/drawing/2014/main" xmlns="" id="{0CE79A8F-152E-44AA-BB59-D124E690348E}"/>
               </a:ext>
             </a:extLst>
           </p:cNvPr>
@@ -6628,8 +6630,12 @@
               <a:t>f1-score</a:t>
             </a:r>
             <a:r>
+              <a:rPr lang="ko-KR" altLang="en-US" dirty="0" smtClean="0"/>
+              <a:t>가 감소하지 </a:t>
+            </a:r>
+            <a:r>
               <a:rPr lang="ko-KR" altLang="en-US" dirty="0"/>
-              <a:t>가 떨어지지 않는 </a:t>
+              <a:t>않는 </a:t>
             </a:r>
             <a:r>
               <a:rPr lang="en-US" altLang="ko-KR" dirty="0"/>
@@ -6648,7 +6654,7 @@
           <p:cNvPr id="10" name="직사각형 9">
             <a:extLst>
               <a:ext uri="{FF2B5EF4-FFF2-40B4-BE49-F238E27FC236}">
-                <a16:creationId xmlns:a16="http://schemas.microsoft.com/office/drawing/2014/main" id="{28ADA420-4715-4E1D-9EBA-91EAFA7081E4}"/>
+                <a16:creationId xmlns:a16="http://schemas.microsoft.com/office/drawing/2014/main" xmlns="" id="{28ADA420-4715-4E1D-9EBA-91EAFA7081E4}"/>
               </a:ext>
             </a:extLst>
           </p:cNvPr>
@@ -6761,7 +6767,7 @@
           <p:cNvPr id="6" name="내용 개체 틀 5">
             <a:extLst>
               <a:ext uri="{FF2B5EF4-FFF2-40B4-BE49-F238E27FC236}">
-                <a16:creationId xmlns:a16="http://schemas.microsoft.com/office/drawing/2014/main" id="{97DCFABD-2EB4-4F4F-BBA4-CEE49396ABB9}"/>
+                <a16:creationId xmlns:a16="http://schemas.microsoft.com/office/drawing/2014/main" xmlns="" id="{97DCFABD-2EB4-4F4F-BBA4-CEE49396ABB9}"/>
               </a:ext>
             </a:extLst>
           </p:cNvPr>
@@ -6774,21 +6780,846 @@
         </p:nvSpPr>
         <p:spPr/>
         <p:txBody>
-          <a:bodyPr/>
+          <a:bodyPr anchor="t"/>
           <a:lstStyle/>
           <a:p>
+            <a:pPr marL="0" indent="0">
+              <a:buNone/>
+            </a:pPr>
             <a:r>
               <a:rPr lang="en-US" altLang="ko-KR" dirty="0"/>
               <a:t>Support Vector Machine </a:t>
             </a:r>
             <a:r>
               <a:rPr lang="ko-KR" altLang="en-US" dirty="0"/>
-              <a:t>모델을 활용</a:t>
-            </a:r>
+              <a:t>모델을 </a:t>
+            </a:r>
+            <a:r>
+              <a:rPr lang="ko-KR" altLang="en-US" dirty="0" smtClean="0"/>
+              <a:t>활용 </a:t>
+            </a:r>
+            <a:r>
+              <a:rPr lang="en-US" altLang="ko-KR" dirty="0" smtClean="0"/>
+              <a:t>(gamma = auto)</a:t>
+            </a:r>
+          </a:p>
+          <a:p>
             <a:endParaRPr lang="en-US" altLang="ko-KR" dirty="0"/>
           </a:p>
           <a:p>
             <a:endParaRPr lang="ko-KR" altLang="en-US" dirty="0"/>
+          </a:p>
+        </p:txBody>
+      </p:sp>
+      <p:graphicFrame>
+        <p:nvGraphicFramePr>
+          <p:cNvPr id="4" name="표 3">
+            <a:extLst>
+              <a:ext uri="{FF2B5EF4-FFF2-40B4-BE49-F238E27FC236}">
+                <a16:creationId xmlns:a16="http://schemas.microsoft.com/office/drawing/2014/main" xmlns="" id="{3B614693-8AEE-484C-84B7-D8D9CF8D1B8A}"/>
+              </a:ext>
+            </a:extLst>
+          </p:cNvPr>
+          <p:cNvGraphicFramePr>
+            <a:graphicFrameLocks noGrp="1"/>
+          </p:cNvGraphicFramePr>
+          <p:nvPr>
+            <p:extLst>
+              <p:ext uri="{D42A27DB-BD31-4B8C-83A1-F6EECF244321}">
+                <p14:modId xmlns:p14="http://schemas.microsoft.com/office/powerpoint/2010/main" val="2427248855"/>
+              </p:ext>
+            </p:extLst>
+          </p:nvPr>
+        </p:nvGraphicFramePr>
+        <p:xfrm>
+          <a:off x="1319868" y="2881618"/>
+          <a:ext cx="9056832" cy="2931160"/>
+        </p:xfrm>
+        <a:graphic>
+          <a:graphicData uri="http://schemas.openxmlformats.org/drawingml/2006/table">
+            <a:tbl>
+              <a:tblPr firstRow="1" bandRow="1">
+                <a:tableStyleId>{5C22544A-7EE6-4342-B048-85BDC9FD1C3A}</a:tableStyleId>
+              </a:tblPr>
+              <a:tblGrid>
+                <a:gridCol w="1568385">
+                  <a:extLst>
+                    <a:ext uri="{9D8B030D-6E8A-4147-A177-3AD203B41FA5}">
+                      <a16:colId xmlns:a16="http://schemas.microsoft.com/office/drawing/2014/main" xmlns="" val="332896287"/>
+                    </a:ext>
+                  </a:extLst>
+                </a:gridCol>
+                <a:gridCol w="1197073">
+                  <a:extLst>
+                    <a:ext uri="{9D8B030D-6E8A-4147-A177-3AD203B41FA5}">
+                      <a16:colId xmlns:a16="http://schemas.microsoft.com/office/drawing/2014/main" xmlns="" val="3011235510"/>
+                    </a:ext>
+                  </a:extLst>
+                </a:gridCol>
+                <a:gridCol w="1197073">
+                  <a:extLst>
+                    <a:ext uri="{9D8B030D-6E8A-4147-A177-3AD203B41FA5}">
+                      <a16:colId xmlns:a16="http://schemas.microsoft.com/office/drawing/2014/main" xmlns="" val="1181593252"/>
+                    </a:ext>
+                  </a:extLst>
+                </a:gridCol>
+                <a:gridCol w="1197073">
+                  <a:extLst>
+                    <a:ext uri="{9D8B030D-6E8A-4147-A177-3AD203B41FA5}">
+                      <a16:colId xmlns:a16="http://schemas.microsoft.com/office/drawing/2014/main" xmlns="" val="312359330"/>
+                    </a:ext>
+                  </a:extLst>
+                </a:gridCol>
+                <a:gridCol w="1299076">
+                  <a:extLst>
+                    <a:ext uri="{9D8B030D-6E8A-4147-A177-3AD203B41FA5}">
+                      <a16:colId xmlns:a16="http://schemas.microsoft.com/office/drawing/2014/main" xmlns="" val="2961704605"/>
+                    </a:ext>
+                  </a:extLst>
+                </a:gridCol>
+                <a:gridCol w="1299076">
+                  <a:extLst>
+                    <a:ext uri="{9D8B030D-6E8A-4147-A177-3AD203B41FA5}">
+                      <a16:colId xmlns:a16="http://schemas.microsoft.com/office/drawing/2014/main" xmlns="" val="3495602033"/>
+                    </a:ext>
+                  </a:extLst>
+                </a:gridCol>
+                <a:gridCol w="1299076">
+                  <a:extLst>
+                    <a:ext uri="{9D8B030D-6E8A-4147-A177-3AD203B41FA5}">
+                      <a16:colId xmlns:a16="http://schemas.microsoft.com/office/drawing/2014/main" xmlns="" val="318467248"/>
+                    </a:ext>
+                  </a:extLst>
+                </a:gridCol>
+              </a:tblGrid>
+              <a:tr h="370840">
+                <a:tc>
+                  <a:txBody>
+                    <a:bodyPr/>
+                    <a:lstStyle/>
+                    <a:p>
+                      <a:pPr latinLnBrk="1"/>
+                      <a:r>
+                        <a:rPr lang="en-US" altLang="ko-KR" dirty="0"/>
+                        <a:t>Test set score</a:t>
+                      </a:r>
+                      <a:endParaRPr lang="ko-KR" altLang="en-US" dirty="0"/>
+                    </a:p>
+                  </a:txBody>
+                  <a:tcPr/>
+                </a:tc>
+                <a:tc>
+                  <a:txBody>
+                    <a:bodyPr/>
+                    <a:lstStyle/>
+                    <a:p>
+                      <a:pPr latinLnBrk="1"/>
+                      <a:r>
+                        <a:rPr lang="en-US" altLang="ko-KR" dirty="0" smtClean="0"/>
+                        <a:t>C</a:t>
+                      </a:r>
+                      <a:r>
+                        <a:rPr lang="en-US" altLang="ko-KR" baseline="0" dirty="0" smtClean="0"/>
+                        <a:t> </a:t>
+                      </a:r>
+                      <a:r>
+                        <a:rPr lang="en-US" altLang="ko-KR" dirty="0" smtClean="0"/>
+                        <a:t>= 1</a:t>
+                      </a:r>
+                      <a:endParaRPr lang="ko-KR" altLang="en-US" dirty="0"/>
+                    </a:p>
+                  </a:txBody>
+                  <a:tcPr/>
+                </a:tc>
+                <a:tc>
+                  <a:txBody>
+                    <a:bodyPr/>
+                    <a:lstStyle/>
+                    <a:p>
+                      <a:pPr latinLnBrk="1"/>
+                      <a:r>
+                        <a:rPr lang="en-US" altLang="ko-KR" dirty="0" smtClean="0"/>
+                        <a:t>C = </a:t>
+                      </a:r>
+                      <a:r>
+                        <a:rPr lang="en-US" altLang="ko-KR" dirty="0"/>
+                        <a:t>10</a:t>
+                      </a:r>
+                      <a:endParaRPr lang="ko-KR" altLang="en-US" dirty="0"/>
+                    </a:p>
+                  </a:txBody>
+                  <a:tcPr/>
+                </a:tc>
+                <a:tc>
+                  <a:txBody>
+                    <a:bodyPr/>
+                    <a:lstStyle/>
+                    <a:p>
+                      <a:pPr latinLnBrk="1"/>
+                      <a:r>
+                        <a:rPr lang="en-US" altLang="ko-KR" dirty="0" smtClean="0"/>
+                        <a:t>C = 100</a:t>
+                      </a:r>
+                      <a:endParaRPr lang="ko-KR" altLang="en-US" dirty="0"/>
+                    </a:p>
+                  </a:txBody>
+                  <a:tcPr/>
+                </a:tc>
+                <a:tc>
+                  <a:txBody>
+                    <a:bodyPr/>
+                    <a:lstStyle/>
+                    <a:p>
+                      <a:pPr latinLnBrk="1"/>
+                      <a:r>
+                        <a:rPr lang="en-US" altLang="ko-KR" dirty="0" smtClean="0"/>
+                        <a:t>C</a:t>
+                      </a:r>
+                      <a:r>
+                        <a:rPr lang="en-US" altLang="ko-KR" baseline="0" dirty="0" smtClean="0"/>
+                        <a:t> = 1000</a:t>
+                      </a:r>
+                      <a:endParaRPr lang="ko-KR" altLang="en-US" dirty="0"/>
+                    </a:p>
+                  </a:txBody>
+                  <a:tcPr/>
+                </a:tc>
+                <a:tc>
+                  <a:txBody>
+                    <a:bodyPr/>
+                    <a:lstStyle/>
+                    <a:p>
+                      <a:pPr latinLnBrk="1"/>
+                      <a:r>
+                        <a:rPr lang="en-US" altLang="ko-KR" dirty="0" smtClean="0"/>
+                        <a:t>C</a:t>
+                      </a:r>
+                      <a:r>
+                        <a:rPr lang="en-US" altLang="ko-KR" baseline="0" dirty="0" smtClean="0"/>
+                        <a:t> = 10000</a:t>
+                      </a:r>
+                      <a:endParaRPr lang="ko-KR" altLang="en-US" dirty="0"/>
+                    </a:p>
+                  </a:txBody>
+                  <a:tcPr/>
+                </a:tc>
+                <a:tc>
+                  <a:txBody>
+                    <a:bodyPr/>
+                    <a:lstStyle/>
+                    <a:p>
+                      <a:pPr marL="0" marR="0" lvl="0" indent="0" algn="l" defTabSz="457200" rtl="0" eaLnBrk="1" fontAlgn="auto" latinLnBrk="1" hangingPunct="1">
+                        <a:lnSpc>
+                          <a:spcPct val="100000"/>
+                        </a:lnSpc>
+                        <a:spcBef>
+                          <a:spcPts val="0"/>
+                        </a:spcBef>
+                        <a:spcAft>
+                          <a:spcPts val="0"/>
+                        </a:spcAft>
+                        <a:buClrTx/>
+                        <a:buSzTx/>
+                        <a:buFontTx/>
+                        <a:buNone/>
+                        <a:tabLst/>
+                        <a:defRPr/>
+                      </a:pPr>
+                      <a:r>
+                        <a:rPr lang="en-US" altLang="ko-KR" dirty="0" smtClean="0"/>
+                        <a:t>C = 100000</a:t>
+                      </a:r>
+                      <a:endParaRPr lang="ko-KR" altLang="en-US" dirty="0"/>
+                    </a:p>
+                  </a:txBody>
+                  <a:tcPr/>
+                </a:tc>
+                <a:extLst>
+                  <a:ext uri="{0D108BD9-81ED-4DB2-BD59-A6C34878D82A}">
+                    <a16:rowId xmlns:a16="http://schemas.microsoft.com/office/drawing/2014/main" xmlns="" val="1349001174"/>
+                  </a:ext>
+                </a:extLst>
+              </a:tr>
+              <a:tr h="370840">
+                <a:tc>
+                  <a:txBody>
+                    <a:bodyPr/>
+                    <a:lstStyle/>
+                    <a:p>
+                      <a:pPr latinLnBrk="1"/>
+                      <a:r>
+                        <a:rPr lang="en-US" altLang="ko-KR" dirty="0"/>
+                        <a:t>accuracy</a:t>
+                      </a:r>
+                      <a:endParaRPr lang="ko-KR" altLang="en-US" dirty="0"/>
+                    </a:p>
+                  </a:txBody>
+                  <a:tcPr/>
+                </a:tc>
+                <a:tc>
+                  <a:txBody>
+                    <a:bodyPr/>
+                    <a:lstStyle/>
+                    <a:p>
+                      <a:pPr latinLnBrk="1"/>
+                      <a:r>
+                        <a:rPr lang="en-US" altLang="ko-KR" dirty="0" smtClean="0"/>
+                        <a:t>0.69</a:t>
+                      </a:r>
+                      <a:endParaRPr lang="ko-KR" altLang="en-US" dirty="0"/>
+                    </a:p>
+                  </a:txBody>
+                  <a:tcPr/>
+                </a:tc>
+                <a:tc>
+                  <a:txBody>
+                    <a:bodyPr/>
+                    <a:lstStyle/>
+                    <a:p>
+                      <a:pPr latinLnBrk="1"/>
+                      <a:r>
+                        <a:rPr lang="en-US" altLang="ko-KR" dirty="0" smtClean="0"/>
+                        <a:t>0.85</a:t>
+                      </a:r>
+                      <a:endParaRPr lang="ko-KR" altLang="en-US" dirty="0"/>
+                    </a:p>
+                  </a:txBody>
+                  <a:tcPr/>
+                </a:tc>
+                <a:tc>
+                  <a:txBody>
+                    <a:bodyPr/>
+                    <a:lstStyle/>
+                    <a:p>
+                      <a:pPr latinLnBrk="1"/>
+                      <a:r>
+                        <a:rPr lang="en-US" altLang="ko-KR" dirty="0" smtClean="0"/>
+                        <a:t>0.93</a:t>
+                      </a:r>
+                      <a:endParaRPr lang="ko-KR" altLang="en-US" dirty="0"/>
+                    </a:p>
+                  </a:txBody>
+                  <a:tcPr/>
+                </a:tc>
+                <a:tc>
+                  <a:txBody>
+                    <a:bodyPr/>
+                    <a:lstStyle/>
+                    <a:p>
+                      <a:pPr latinLnBrk="1"/>
+                      <a:r>
+                        <a:rPr lang="en-US" altLang="ko-KR" dirty="0" smtClean="0"/>
+                        <a:t>0.96</a:t>
+                      </a:r>
+                      <a:endParaRPr lang="ko-KR" altLang="en-US" dirty="0"/>
+                    </a:p>
+                  </a:txBody>
+                  <a:tcPr/>
+                </a:tc>
+                <a:tc>
+                  <a:txBody>
+                    <a:bodyPr/>
+                    <a:lstStyle/>
+                    <a:p>
+                      <a:pPr latinLnBrk="1"/>
+                      <a:r>
+                        <a:rPr lang="en-US" altLang="ko-KR" dirty="0" smtClean="0"/>
+                        <a:t>0.96</a:t>
+                      </a:r>
+                      <a:endParaRPr lang="ko-KR" altLang="en-US" dirty="0"/>
+                    </a:p>
+                  </a:txBody>
+                  <a:tcPr/>
+                </a:tc>
+                <a:tc>
+                  <a:txBody>
+                    <a:bodyPr/>
+                    <a:lstStyle/>
+                    <a:p>
+                      <a:pPr latinLnBrk="1"/>
+                      <a:r>
+                        <a:rPr lang="en-US" altLang="ko-KR" dirty="0" smtClean="0"/>
+                        <a:t>0.96</a:t>
+                      </a:r>
+                      <a:endParaRPr lang="ko-KR" altLang="en-US" dirty="0"/>
+                    </a:p>
+                  </a:txBody>
+                  <a:tcPr/>
+                </a:tc>
+                <a:extLst>
+                  <a:ext uri="{0D108BD9-81ED-4DB2-BD59-A6C34878D82A}">
+                    <a16:rowId xmlns:a16="http://schemas.microsoft.com/office/drawing/2014/main" xmlns="" val="811061487"/>
+                  </a:ext>
+                </a:extLst>
+              </a:tr>
+              <a:tr h="370840">
+                <a:tc>
+                  <a:txBody>
+                    <a:bodyPr/>
+                    <a:lstStyle/>
+                    <a:p>
+                      <a:pPr latinLnBrk="1"/>
+                      <a:r>
+                        <a:rPr lang="en-US" altLang="ko-KR" dirty="0"/>
+                        <a:t>Spam</a:t>
+                      </a:r>
+                    </a:p>
+                    <a:p>
+                      <a:pPr latinLnBrk="1"/>
+                      <a:r>
+                        <a:rPr lang="en-US" altLang="ko-KR" dirty="0"/>
+                        <a:t>precision</a:t>
+                      </a:r>
+                      <a:endParaRPr lang="ko-KR" altLang="en-US" dirty="0"/>
+                    </a:p>
+                  </a:txBody>
+                  <a:tcPr/>
+                </a:tc>
+                <a:tc>
+                  <a:txBody>
+                    <a:bodyPr/>
+                    <a:lstStyle/>
+                    <a:p>
+                      <a:pPr latinLnBrk="1"/>
+                      <a:r>
+                        <a:rPr lang="en-US" altLang="ko-KR" dirty="0" smtClean="0"/>
+                        <a:t>1</a:t>
+                      </a:r>
+                      <a:endParaRPr lang="ko-KR" altLang="en-US" dirty="0"/>
+                    </a:p>
+                  </a:txBody>
+                  <a:tcPr/>
+                </a:tc>
+                <a:tc>
+                  <a:txBody>
+                    <a:bodyPr/>
+                    <a:lstStyle/>
+                    <a:p>
+                      <a:pPr latinLnBrk="1"/>
+                      <a:r>
+                        <a:rPr lang="en-US" altLang="ko-KR" dirty="0" smtClean="0"/>
+                        <a:t>1</a:t>
+                      </a:r>
+                      <a:endParaRPr lang="ko-KR" altLang="en-US" dirty="0"/>
+                    </a:p>
+                  </a:txBody>
+                  <a:tcPr/>
+                </a:tc>
+                <a:tc>
+                  <a:txBody>
+                    <a:bodyPr/>
+                    <a:lstStyle/>
+                    <a:p>
+                      <a:pPr latinLnBrk="1"/>
+                      <a:r>
+                        <a:rPr lang="en-US" altLang="ko-KR" dirty="0" smtClean="0"/>
+                        <a:t>0.99</a:t>
+                      </a:r>
+                      <a:endParaRPr lang="ko-KR" altLang="en-US" dirty="0"/>
+                    </a:p>
+                  </a:txBody>
+                  <a:tcPr/>
+                </a:tc>
+                <a:tc>
+                  <a:txBody>
+                    <a:bodyPr/>
+                    <a:lstStyle/>
+                    <a:p>
+                      <a:pPr latinLnBrk="1"/>
+                      <a:r>
+                        <a:rPr lang="en-US" altLang="ko-KR" dirty="0" smtClean="0"/>
+                        <a:t>0.99</a:t>
+                      </a:r>
+                      <a:endParaRPr lang="ko-KR" altLang="en-US" dirty="0"/>
+                    </a:p>
+                  </a:txBody>
+                  <a:tcPr/>
+                </a:tc>
+                <a:tc>
+                  <a:txBody>
+                    <a:bodyPr/>
+                    <a:lstStyle/>
+                    <a:p>
+                      <a:pPr latinLnBrk="1"/>
+                      <a:r>
+                        <a:rPr lang="en-US" altLang="ko-KR" dirty="0" smtClean="0"/>
+                        <a:t>0.98</a:t>
+                      </a:r>
+                      <a:endParaRPr lang="ko-KR" altLang="en-US" dirty="0"/>
+                    </a:p>
+                  </a:txBody>
+                  <a:tcPr/>
+                </a:tc>
+                <a:tc>
+                  <a:txBody>
+                    <a:bodyPr/>
+                    <a:lstStyle/>
+                    <a:p>
+                      <a:pPr latinLnBrk="1"/>
+                      <a:r>
+                        <a:rPr lang="en-US" altLang="ko-KR" dirty="0" smtClean="0"/>
+                        <a:t>0.98</a:t>
+                      </a:r>
+                      <a:endParaRPr lang="ko-KR" altLang="en-US" dirty="0"/>
+                    </a:p>
+                  </a:txBody>
+                  <a:tcPr/>
+                </a:tc>
+                <a:extLst>
+                  <a:ext uri="{0D108BD9-81ED-4DB2-BD59-A6C34878D82A}">
+                    <a16:rowId xmlns:a16="http://schemas.microsoft.com/office/drawing/2014/main" xmlns="" val="1395679264"/>
+                  </a:ext>
+                </a:extLst>
+              </a:tr>
+              <a:tr h="370840">
+                <a:tc>
+                  <a:txBody>
+                    <a:bodyPr/>
+                    <a:lstStyle/>
+                    <a:p>
+                      <a:pPr marL="0" marR="0" lvl="0" indent="0" algn="l" defTabSz="457200" rtl="0" eaLnBrk="1" fontAlgn="auto" latinLnBrk="1" hangingPunct="1">
+                        <a:lnSpc>
+                          <a:spcPct val="100000"/>
+                        </a:lnSpc>
+                        <a:spcBef>
+                          <a:spcPts val="0"/>
+                        </a:spcBef>
+                        <a:spcAft>
+                          <a:spcPts val="0"/>
+                        </a:spcAft>
+                        <a:buClrTx/>
+                        <a:buSzTx/>
+                        <a:buFontTx/>
+                        <a:buNone/>
+                        <a:tabLst/>
+                        <a:defRPr/>
+                      </a:pPr>
+                      <a:r>
+                        <a:rPr lang="en-US" altLang="ko-KR" dirty="0"/>
+                        <a:t>Spam</a:t>
+                      </a:r>
+                    </a:p>
+                    <a:p>
+                      <a:pPr marL="0" marR="0" lvl="0" indent="0" algn="l" defTabSz="457200" rtl="0" eaLnBrk="1" fontAlgn="auto" latinLnBrk="1" hangingPunct="1">
+                        <a:lnSpc>
+                          <a:spcPct val="100000"/>
+                        </a:lnSpc>
+                        <a:spcBef>
+                          <a:spcPts val="0"/>
+                        </a:spcBef>
+                        <a:spcAft>
+                          <a:spcPts val="0"/>
+                        </a:spcAft>
+                        <a:buClrTx/>
+                        <a:buSzTx/>
+                        <a:buFontTx/>
+                        <a:buNone/>
+                        <a:tabLst/>
+                        <a:defRPr/>
+                      </a:pPr>
+                      <a:r>
+                        <a:rPr lang="en-US" altLang="ko-KR" dirty="0"/>
+                        <a:t>recall</a:t>
+                      </a:r>
+                      <a:endParaRPr lang="ko-KR" altLang="en-US" dirty="0"/>
+                    </a:p>
+                  </a:txBody>
+                  <a:tcPr/>
+                </a:tc>
+                <a:tc>
+                  <a:txBody>
+                    <a:bodyPr/>
+                    <a:lstStyle/>
+                    <a:p>
+                      <a:pPr latinLnBrk="1"/>
+                      <a:r>
+                        <a:rPr lang="en-US" altLang="ko-KR" dirty="0" smtClean="0"/>
+                        <a:t>0.39</a:t>
+                      </a:r>
+                      <a:endParaRPr lang="ko-KR" altLang="en-US" dirty="0"/>
+                    </a:p>
+                  </a:txBody>
+                  <a:tcPr/>
+                </a:tc>
+                <a:tc>
+                  <a:txBody>
+                    <a:bodyPr/>
+                    <a:lstStyle/>
+                    <a:p>
+                      <a:pPr latinLnBrk="1"/>
+                      <a:r>
+                        <a:rPr lang="en-US" altLang="ko-KR" dirty="0" smtClean="0"/>
+                        <a:t>0.7</a:t>
+                      </a:r>
+                      <a:endParaRPr lang="ko-KR" altLang="en-US" dirty="0"/>
+                    </a:p>
+                  </a:txBody>
+                  <a:tcPr/>
+                </a:tc>
+                <a:tc>
+                  <a:txBody>
+                    <a:bodyPr/>
+                    <a:lstStyle/>
+                    <a:p>
+                      <a:pPr latinLnBrk="1"/>
+                      <a:r>
+                        <a:rPr lang="en-US" altLang="ko-KR" dirty="0" smtClean="0"/>
+                        <a:t>0.87</a:t>
+                      </a:r>
+                      <a:endParaRPr lang="ko-KR" altLang="en-US" dirty="0"/>
+                    </a:p>
+                  </a:txBody>
+                  <a:tcPr/>
+                </a:tc>
+                <a:tc>
+                  <a:txBody>
+                    <a:bodyPr/>
+                    <a:lstStyle/>
+                    <a:p>
+                      <a:pPr latinLnBrk="1"/>
+                      <a:r>
+                        <a:rPr lang="en-US" altLang="ko-KR" dirty="0" smtClean="0"/>
+                        <a:t>0.93</a:t>
+                      </a:r>
+                      <a:endParaRPr lang="ko-KR" altLang="en-US" dirty="0"/>
+                    </a:p>
+                  </a:txBody>
+                  <a:tcPr/>
+                </a:tc>
+                <a:tc>
+                  <a:txBody>
+                    <a:bodyPr/>
+                    <a:lstStyle/>
+                    <a:p>
+                      <a:pPr latinLnBrk="1"/>
+                      <a:r>
+                        <a:rPr lang="en-US" altLang="ko-KR" dirty="0" smtClean="0"/>
+                        <a:t>0.94</a:t>
+                      </a:r>
+                      <a:endParaRPr lang="ko-KR" altLang="en-US" dirty="0"/>
+                    </a:p>
+                  </a:txBody>
+                  <a:tcPr/>
+                </a:tc>
+                <a:tc>
+                  <a:txBody>
+                    <a:bodyPr/>
+                    <a:lstStyle/>
+                    <a:p>
+                      <a:pPr latinLnBrk="1"/>
+                      <a:r>
+                        <a:rPr lang="en-US" altLang="ko-KR" dirty="0" smtClean="0"/>
+                        <a:t>0.94</a:t>
+                      </a:r>
+                      <a:endParaRPr lang="ko-KR" altLang="en-US" dirty="0"/>
+                    </a:p>
+                  </a:txBody>
+                  <a:tcPr/>
+                </a:tc>
+                <a:extLst>
+                  <a:ext uri="{0D108BD9-81ED-4DB2-BD59-A6C34878D82A}">
+                    <a16:rowId xmlns:a16="http://schemas.microsoft.com/office/drawing/2014/main" xmlns="" val="208138647"/>
+                  </a:ext>
+                </a:extLst>
+              </a:tr>
+              <a:tr h="258398">
+                <a:tc>
+                  <a:txBody>
+                    <a:bodyPr/>
+                    <a:lstStyle/>
+                    <a:p>
+                      <a:pPr marL="0" marR="0" lvl="0" indent="0" algn="l" defTabSz="457200" rtl="0" eaLnBrk="1" fontAlgn="auto" latinLnBrk="1" hangingPunct="1">
+                        <a:lnSpc>
+                          <a:spcPct val="100000"/>
+                        </a:lnSpc>
+                        <a:spcBef>
+                          <a:spcPts val="0"/>
+                        </a:spcBef>
+                        <a:spcAft>
+                          <a:spcPts val="0"/>
+                        </a:spcAft>
+                        <a:buClrTx/>
+                        <a:buSzTx/>
+                        <a:buFontTx/>
+                        <a:buNone/>
+                        <a:tabLst/>
+                        <a:defRPr/>
+                      </a:pPr>
+                      <a:r>
+                        <a:rPr lang="en-US" altLang="ko-KR" dirty="0"/>
+                        <a:t>Spam</a:t>
+                      </a:r>
+                    </a:p>
+                    <a:p>
+                      <a:pPr marL="0" marR="0" lvl="0" indent="0" algn="l" defTabSz="457200" rtl="0" eaLnBrk="1" fontAlgn="auto" latinLnBrk="1" hangingPunct="1">
+                        <a:lnSpc>
+                          <a:spcPct val="100000"/>
+                        </a:lnSpc>
+                        <a:spcBef>
+                          <a:spcPts val="0"/>
+                        </a:spcBef>
+                        <a:spcAft>
+                          <a:spcPts val="0"/>
+                        </a:spcAft>
+                        <a:buClrTx/>
+                        <a:buSzTx/>
+                        <a:buFontTx/>
+                        <a:buNone/>
+                        <a:tabLst/>
+                        <a:defRPr/>
+                      </a:pPr>
+                      <a:r>
+                        <a:rPr lang="en-US" altLang="ko-KR" dirty="0"/>
+                        <a:t>f1-score</a:t>
+                      </a:r>
+                      <a:endParaRPr lang="ko-KR" altLang="en-US" dirty="0"/>
+                    </a:p>
+                  </a:txBody>
+                  <a:tcPr/>
+                </a:tc>
+                <a:tc>
+                  <a:txBody>
+                    <a:bodyPr/>
+                    <a:lstStyle/>
+                    <a:p>
+                      <a:pPr latinLnBrk="1"/>
+                      <a:r>
+                        <a:rPr lang="en-US" altLang="ko-KR" dirty="0" smtClean="0"/>
+                        <a:t>0.56</a:t>
+                      </a:r>
+                      <a:endParaRPr lang="ko-KR" altLang="en-US" dirty="0"/>
+                    </a:p>
+                  </a:txBody>
+                  <a:tcPr/>
+                </a:tc>
+                <a:tc>
+                  <a:txBody>
+                    <a:bodyPr/>
+                    <a:lstStyle/>
+                    <a:p>
+                      <a:pPr latinLnBrk="1"/>
+                      <a:r>
+                        <a:rPr lang="en-US" altLang="ko-KR" dirty="0" smtClean="0"/>
+                        <a:t>0.82</a:t>
+                      </a:r>
+                      <a:endParaRPr lang="ko-KR" altLang="en-US" dirty="0"/>
+                    </a:p>
+                  </a:txBody>
+                  <a:tcPr/>
+                </a:tc>
+                <a:tc>
+                  <a:txBody>
+                    <a:bodyPr/>
+                    <a:lstStyle/>
+                    <a:p>
+                      <a:pPr latinLnBrk="1"/>
+                      <a:r>
+                        <a:rPr lang="en-US" altLang="ko-KR" dirty="0"/>
+                        <a:t>0.93</a:t>
+                      </a:r>
+                      <a:endParaRPr lang="ko-KR" altLang="en-US" dirty="0"/>
+                    </a:p>
+                  </a:txBody>
+                  <a:tcPr/>
+                </a:tc>
+                <a:tc>
+                  <a:txBody>
+                    <a:bodyPr/>
+                    <a:lstStyle/>
+                    <a:p>
+                      <a:pPr latinLnBrk="1"/>
+                      <a:r>
+                        <a:rPr lang="en-US" altLang="ko-KR" dirty="0" smtClean="0"/>
+                        <a:t>0.96</a:t>
+                      </a:r>
+                      <a:endParaRPr lang="ko-KR" altLang="en-US" dirty="0"/>
+                    </a:p>
+                  </a:txBody>
+                  <a:tcPr/>
+                </a:tc>
+                <a:tc>
+                  <a:txBody>
+                    <a:bodyPr/>
+                    <a:lstStyle/>
+                    <a:p>
+                      <a:pPr latinLnBrk="1"/>
+                      <a:r>
+                        <a:rPr lang="en-US" altLang="ko-KR" dirty="0" smtClean="0"/>
+                        <a:t>0.96</a:t>
+                      </a:r>
+                      <a:endParaRPr lang="ko-KR" altLang="en-US" dirty="0"/>
+                    </a:p>
+                  </a:txBody>
+                  <a:tcPr/>
+                </a:tc>
+                <a:tc>
+                  <a:txBody>
+                    <a:bodyPr/>
+                    <a:lstStyle/>
+                    <a:p>
+                      <a:pPr latinLnBrk="1"/>
+                      <a:r>
+                        <a:rPr lang="en-US" altLang="ko-KR" dirty="0" smtClean="0"/>
+                        <a:t>0.96</a:t>
+                      </a:r>
+                      <a:endParaRPr lang="ko-KR" altLang="en-US" dirty="0"/>
+                    </a:p>
+                  </a:txBody>
+                  <a:tcPr/>
+                </a:tc>
+                <a:extLst>
+                  <a:ext uri="{0D108BD9-81ED-4DB2-BD59-A6C34878D82A}">
+                    <a16:rowId xmlns:a16="http://schemas.microsoft.com/office/drawing/2014/main" xmlns="" val="404543529"/>
+                  </a:ext>
+                </a:extLst>
+              </a:tr>
+            </a:tbl>
+          </a:graphicData>
+        </a:graphic>
+      </p:graphicFrame>
+      <p:sp>
+        <p:nvSpPr>
+          <p:cNvPr id="3" name="직사각형 2"/>
+          <p:cNvSpPr/>
+          <p:nvPr/>
+        </p:nvSpPr>
+        <p:spPr>
+          <a:xfrm>
+            <a:off x="7784757" y="2891482"/>
+            <a:ext cx="1326292" cy="2949146"/>
+          </a:xfrm>
+          <a:prstGeom prst="rect">
+            <a:avLst/>
+          </a:prstGeom>
+          <a:noFill/>
+          <a:ln w="38100">
+            <a:solidFill>
+              <a:srgbClr val="FF0000"/>
+            </a:solidFill>
+          </a:ln>
+        </p:spPr>
+        <p:style>
+          <a:lnRef idx="2">
+            <a:schemeClr val="accent1">
+              <a:shade val="50000"/>
+            </a:schemeClr>
+          </a:lnRef>
+          <a:fillRef idx="1">
+            <a:schemeClr val="accent1"/>
+          </a:fillRef>
+          <a:effectRef idx="0">
+            <a:schemeClr val="accent1"/>
+          </a:effectRef>
+          <a:fontRef idx="minor">
+            <a:schemeClr val="lt1"/>
+          </a:fontRef>
+        </p:style>
+        <p:txBody>
+          <a:bodyPr rtlCol="0" anchor="ctr"/>
+          <a:lstStyle/>
+          <a:p>
+            <a:pPr algn="ctr"/>
+            <a:endParaRPr lang="ko-KR" altLang="en-US"/>
           </a:p>
         </p:txBody>
       </p:sp>
@@ -6838,6 +7669,1342 @@
           <a:lstStyle/>
           <a:p>
             <a:r>
+              <a:rPr lang="en-US" altLang="ko-KR" dirty="0"/>
+              <a:t>2</a:t>
+            </a:r>
+            <a:r>
+              <a:rPr lang="en-US" altLang="ko-KR" baseline="30000" dirty="0"/>
+              <a:t>nd</a:t>
+            </a:r>
+            <a:r>
+              <a:rPr lang="ko-KR" altLang="en-US" dirty="0"/>
+              <a:t> 모델 생성</a:t>
+            </a:r>
+            <a:endParaRPr lang="en-AU" dirty="0"/>
+          </a:p>
+        </p:txBody>
+      </p:sp>
+      <p:sp>
+        <p:nvSpPr>
+          <p:cNvPr id="6" name="내용 개체 틀 5">
+            <a:extLst>
+              <a:ext uri="{FF2B5EF4-FFF2-40B4-BE49-F238E27FC236}">
+                <a16:creationId xmlns:a16="http://schemas.microsoft.com/office/drawing/2014/main" xmlns="" id="{97DCFABD-2EB4-4F4F-BBA4-CEE49396ABB9}"/>
+              </a:ext>
+            </a:extLst>
+          </p:cNvPr>
+          <p:cNvSpPr>
+            <a:spLocks noGrp="1"/>
+          </p:cNvSpPr>
+          <p:nvPr>
+            <p:ph idx="1"/>
+          </p:nvPr>
+        </p:nvSpPr>
+        <p:spPr/>
+        <p:txBody>
+          <a:bodyPr anchor="t"/>
+          <a:lstStyle/>
+          <a:p>
+            <a:pPr marL="0" indent="0">
+              <a:buNone/>
+            </a:pPr>
+            <a:r>
+              <a:rPr lang="en-US" altLang="ko-KR" dirty="0" smtClean="0"/>
+              <a:t>C = 10000</a:t>
+            </a:r>
+            <a:r>
+              <a:rPr lang="ko-KR" altLang="en-US" dirty="0" smtClean="0"/>
+              <a:t>으로 고정시키고 </a:t>
+            </a:r>
+            <a:r>
+              <a:rPr lang="en-US" altLang="ko-KR" dirty="0" smtClean="0"/>
+              <a:t>gamma</a:t>
+            </a:r>
+            <a:r>
+              <a:rPr lang="ko-KR" altLang="en-US" dirty="0" smtClean="0"/>
+              <a:t>값 조정</a:t>
+            </a:r>
+            <a:endParaRPr lang="en-US" altLang="ko-KR" dirty="0" smtClean="0"/>
+          </a:p>
+          <a:p>
+            <a:endParaRPr lang="en-US" altLang="ko-KR" dirty="0"/>
+          </a:p>
+          <a:p>
+            <a:endParaRPr lang="ko-KR" altLang="en-US" dirty="0"/>
+          </a:p>
+        </p:txBody>
+      </p:sp>
+      <p:graphicFrame>
+        <p:nvGraphicFramePr>
+          <p:cNvPr id="4" name="표 3">
+            <a:extLst>
+              <a:ext uri="{FF2B5EF4-FFF2-40B4-BE49-F238E27FC236}">
+                <a16:creationId xmlns:a16="http://schemas.microsoft.com/office/drawing/2014/main" xmlns="" id="{3B614693-8AEE-484C-84B7-D8D9CF8D1B8A}"/>
+              </a:ext>
+            </a:extLst>
+          </p:cNvPr>
+          <p:cNvGraphicFramePr>
+            <a:graphicFrameLocks noGrp="1"/>
+          </p:cNvGraphicFramePr>
+          <p:nvPr>
+            <p:extLst>
+              <p:ext uri="{D42A27DB-BD31-4B8C-83A1-F6EECF244321}">
+                <p14:modId xmlns:p14="http://schemas.microsoft.com/office/powerpoint/2010/main" val="3626097939"/>
+              </p:ext>
+            </p:extLst>
+          </p:nvPr>
+        </p:nvGraphicFramePr>
+        <p:xfrm>
+          <a:off x="1319868" y="2881618"/>
+          <a:ext cx="7859759" cy="2931160"/>
+        </p:xfrm>
+        <a:graphic>
+          <a:graphicData uri="http://schemas.openxmlformats.org/drawingml/2006/table">
+            <a:tbl>
+              <a:tblPr firstRow="1" bandRow="1">
+                <a:tableStyleId>{5C22544A-7EE6-4342-B048-85BDC9FD1C3A}</a:tableStyleId>
+              </a:tblPr>
+              <a:tblGrid>
+                <a:gridCol w="1568385">
+                  <a:extLst>
+                    <a:ext uri="{9D8B030D-6E8A-4147-A177-3AD203B41FA5}">
+                      <a16:colId xmlns:a16="http://schemas.microsoft.com/office/drawing/2014/main" xmlns="" val="332896287"/>
+                    </a:ext>
+                  </a:extLst>
+                </a:gridCol>
+                <a:gridCol w="1197073">
+                  <a:extLst>
+                    <a:ext uri="{9D8B030D-6E8A-4147-A177-3AD203B41FA5}">
+                      <a16:colId xmlns:a16="http://schemas.microsoft.com/office/drawing/2014/main" xmlns="" val="3011235510"/>
+                    </a:ext>
+                  </a:extLst>
+                </a:gridCol>
+                <a:gridCol w="1197073">
+                  <a:extLst>
+                    <a:ext uri="{9D8B030D-6E8A-4147-A177-3AD203B41FA5}">
+                      <a16:colId xmlns:a16="http://schemas.microsoft.com/office/drawing/2014/main" xmlns="" val="1181593252"/>
+                    </a:ext>
+                  </a:extLst>
+                </a:gridCol>
+                <a:gridCol w="1299076">
+                  <a:extLst>
+                    <a:ext uri="{9D8B030D-6E8A-4147-A177-3AD203B41FA5}">
+                      <a16:colId xmlns:a16="http://schemas.microsoft.com/office/drawing/2014/main" xmlns="" val="2961704605"/>
+                    </a:ext>
+                  </a:extLst>
+                </a:gridCol>
+                <a:gridCol w="1299076">
+                  <a:extLst>
+                    <a:ext uri="{9D8B030D-6E8A-4147-A177-3AD203B41FA5}">
+                      <a16:colId xmlns:a16="http://schemas.microsoft.com/office/drawing/2014/main" xmlns="" val="3495602033"/>
+                    </a:ext>
+                  </a:extLst>
+                </a:gridCol>
+                <a:gridCol w="1299076">
+                  <a:extLst>
+                    <a:ext uri="{9D8B030D-6E8A-4147-A177-3AD203B41FA5}">
+                      <a16:colId xmlns:a16="http://schemas.microsoft.com/office/drawing/2014/main" xmlns="" val="318467248"/>
+                    </a:ext>
+                  </a:extLst>
+                </a:gridCol>
+              </a:tblGrid>
+              <a:tr h="370840">
+                <a:tc>
+                  <a:txBody>
+                    <a:bodyPr/>
+                    <a:lstStyle/>
+                    <a:p>
+                      <a:pPr latinLnBrk="1"/>
+                      <a:r>
+                        <a:rPr lang="en-US" altLang="ko-KR" dirty="0"/>
+                        <a:t>Test set score</a:t>
+                      </a:r>
+                      <a:endParaRPr lang="ko-KR" altLang="en-US" dirty="0"/>
+                    </a:p>
+                  </a:txBody>
+                  <a:tcPr/>
+                </a:tc>
+                <a:tc>
+                  <a:txBody>
+                    <a:bodyPr/>
+                    <a:lstStyle/>
+                    <a:p>
+                      <a:pPr latinLnBrk="1"/>
+                      <a:r>
+                        <a:rPr lang="en-US" altLang="ko-KR" dirty="0" smtClean="0"/>
+                        <a:t>Gamma</a:t>
+                      </a:r>
+                      <a:r>
+                        <a:rPr lang="en-US" altLang="ko-KR" baseline="0" dirty="0" smtClean="0"/>
+                        <a:t> = 0.0001</a:t>
+                      </a:r>
+                      <a:endParaRPr lang="ko-KR" altLang="en-US" dirty="0"/>
+                    </a:p>
+                  </a:txBody>
+                  <a:tcPr/>
+                </a:tc>
+                <a:tc>
+                  <a:txBody>
+                    <a:bodyPr/>
+                    <a:lstStyle/>
+                    <a:p>
+                      <a:pPr latinLnBrk="1"/>
+                      <a:r>
+                        <a:rPr lang="en-US" altLang="ko-KR" dirty="0" smtClean="0"/>
+                        <a:t>Gamma</a:t>
+                      </a:r>
+                      <a:r>
+                        <a:rPr lang="en-US" altLang="ko-KR" baseline="0" dirty="0" smtClean="0"/>
+                        <a:t> = 0.001</a:t>
+                      </a:r>
+                      <a:endParaRPr lang="ko-KR" altLang="en-US" dirty="0"/>
+                    </a:p>
+                  </a:txBody>
+                  <a:tcPr/>
+                </a:tc>
+                <a:tc>
+                  <a:txBody>
+                    <a:bodyPr/>
+                    <a:lstStyle/>
+                    <a:p>
+                      <a:pPr latinLnBrk="1"/>
+                      <a:r>
+                        <a:rPr lang="en-US" altLang="ko-KR" dirty="0" smtClean="0"/>
+                        <a:t>Gamma</a:t>
+                      </a:r>
+                      <a:r>
+                        <a:rPr lang="en-US" altLang="ko-KR" baseline="0" dirty="0" smtClean="0"/>
+                        <a:t> = 0.1</a:t>
+                      </a:r>
+                      <a:endParaRPr lang="ko-KR" altLang="en-US" dirty="0"/>
+                    </a:p>
+                  </a:txBody>
+                  <a:tcPr/>
+                </a:tc>
+                <a:tc>
+                  <a:txBody>
+                    <a:bodyPr/>
+                    <a:lstStyle/>
+                    <a:p>
+                      <a:pPr latinLnBrk="1"/>
+                      <a:r>
+                        <a:rPr lang="en-US" altLang="ko-KR" dirty="0" smtClean="0"/>
+                        <a:t>Gamma</a:t>
+                      </a:r>
+                      <a:r>
+                        <a:rPr lang="en-US" altLang="ko-KR" baseline="0" dirty="0" smtClean="0"/>
+                        <a:t> = 1</a:t>
+                      </a:r>
+                      <a:endParaRPr lang="ko-KR" altLang="en-US" dirty="0"/>
+                    </a:p>
+                  </a:txBody>
+                  <a:tcPr/>
+                </a:tc>
+                <a:tc>
+                  <a:txBody>
+                    <a:bodyPr/>
+                    <a:lstStyle/>
+                    <a:p>
+                      <a:pPr latinLnBrk="1"/>
+                      <a:r>
+                        <a:rPr lang="en-US" altLang="ko-KR" dirty="0" smtClean="0"/>
+                        <a:t>Gamma</a:t>
+                      </a:r>
+                      <a:r>
+                        <a:rPr lang="en-US" altLang="ko-KR" baseline="0" dirty="0" smtClean="0"/>
+                        <a:t> = 10</a:t>
+                      </a:r>
+                      <a:endParaRPr lang="ko-KR" altLang="en-US" dirty="0"/>
+                    </a:p>
+                  </a:txBody>
+                  <a:tcPr/>
+                </a:tc>
+                <a:extLst>
+                  <a:ext uri="{0D108BD9-81ED-4DB2-BD59-A6C34878D82A}">
+                    <a16:rowId xmlns:a16="http://schemas.microsoft.com/office/drawing/2014/main" xmlns="" val="1349001174"/>
+                  </a:ext>
+                </a:extLst>
+              </a:tr>
+              <a:tr h="370840">
+                <a:tc>
+                  <a:txBody>
+                    <a:bodyPr/>
+                    <a:lstStyle/>
+                    <a:p>
+                      <a:pPr latinLnBrk="1"/>
+                      <a:r>
+                        <a:rPr lang="en-US" altLang="ko-KR" dirty="0"/>
+                        <a:t>accuracy</a:t>
+                      </a:r>
+                      <a:endParaRPr lang="ko-KR" altLang="en-US" dirty="0"/>
+                    </a:p>
+                  </a:txBody>
+                  <a:tcPr/>
+                </a:tc>
+                <a:tc>
+                  <a:txBody>
+                    <a:bodyPr/>
+                    <a:lstStyle/>
+                    <a:p>
+                      <a:pPr latinLnBrk="1"/>
+                      <a:r>
+                        <a:rPr lang="en-US" altLang="ko-KR" dirty="0" smtClean="0"/>
+                        <a:t>0.96</a:t>
+                      </a:r>
+                      <a:endParaRPr lang="ko-KR" altLang="en-US" dirty="0"/>
+                    </a:p>
+                  </a:txBody>
+                  <a:tcPr/>
+                </a:tc>
+                <a:tc>
+                  <a:txBody>
+                    <a:bodyPr/>
+                    <a:lstStyle/>
+                    <a:p>
+                      <a:pPr latinLnBrk="1"/>
+                      <a:r>
+                        <a:rPr lang="en-US" altLang="ko-KR" dirty="0" smtClean="0"/>
+                        <a:t>0.96</a:t>
+                      </a:r>
+                      <a:endParaRPr lang="ko-KR" altLang="en-US" dirty="0"/>
+                    </a:p>
+                  </a:txBody>
+                  <a:tcPr/>
+                </a:tc>
+                <a:tc>
+                  <a:txBody>
+                    <a:bodyPr/>
+                    <a:lstStyle/>
+                    <a:p>
+                      <a:pPr latinLnBrk="1"/>
+                      <a:r>
+                        <a:rPr lang="en-US" altLang="ko-KR" dirty="0" smtClean="0"/>
+                        <a:t>0.85</a:t>
+                      </a:r>
+                      <a:endParaRPr lang="ko-KR" altLang="en-US" dirty="0"/>
+                    </a:p>
+                  </a:txBody>
+                  <a:tcPr/>
+                </a:tc>
+                <a:tc>
+                  <a:txBody>
+                    <a:bodyPr/>
+                    <a:lstStyle/>
+                    <a:p>
+                      <a:pPr latinLnBrk="1"/>
+                      <a:r>
+                        <a:rPr lang="en-US" altLang="ko-KR" dirty="0" smtClean="0"/>
+                        <a:t>0.54</a:t>
+                      </a:r>
+                      <a:endParaRPr lang="ko-KR" altLang="en-US" dirty="0"/>
+                    </a:p>
+                  </a:txBody>
+                  <a:tcPr/>
+                </a:tc>
+                <a:tc>
+                  <a:txBody>
+                    <a:bodyPr/>
+                    <a:lstStyle/>
+                    <a:p>
+                      <a:pPr latinLnBrk="1"/>
+                      <a:r>
+                        <a:rPr lang="en-US" altLang="ko-KR" dirty="0" smtClean="0"/>
+                        <a:t>0.51</a:t>
+                      </a:r>
+                      <a:endParaRPr lang="ko-KR" altLang="en-US" dirty="0"/>
+                    </a:p>
+                  </a:txBody>
+                  <a:tcPr/>
+                </a:tc>
+                <a:extLst>
+                  <a:ext uri="{0D108BD9-81ED-4DB2-BD59-A6C34878D82A}">
+                    <a16:rowId xmlns:a16="http://schemas.microsoft.com/office/drawing/2014/main" xmlns="" val="811061487"/>
+                  </a:ext>
+                </a:extLst>
+              </a:tr>
+              <a:tr h="370840">
+                <a:tc>
+                  <a:txBody>
+                    <a:bodyPr/>
+                    <a:lstStyle/>
+                    <a:p>
+                      <a:pPr latinLnBrk="1"/>
+                      <a:r>
+                        <a:rPr lang="en-US" altLang="ko-KR" dirty="0"/>
+                        <a:t>Spam</a:t>
+                      </a:r>
+                    </a:p>
+                    <a:p>
+                      <a:pPr latinLnBrk="1"/>
+                      <a:r>
+                        <a:rPr lang="en-US" altLang="ko-KR" dirty="0"/>
+                        <a:t>precision</a:t>
+                      </a:r>
+                      <a:endParaRPr lang="ko-KR" altLang="en-US" dirty="0"/>
+                    </a:p>
+                  </a:txBody>
+                  <a:tcPr/>
+                </a:tc>
+                <a:tc>
+                  <a:txBody>
+                    <a:bodyPr/>
+                    <a:lstStyle/>
+                    <a:p>
+                      <a:pPr latinLnBrk="1"/>
+                      <a:r>
+                        <a:rPr lang="en-US" altLang="ko-KR" dirty="0" smtClean="0"/>
+                        <a:t>0.98</a:t>
+                      </a:r>
+                      <a:endParaRPr lang="ko-KR" altLang="en-US" dirty="0"/>
+                    </a:p>
+                  </a:txBody>
+                  <a:tcPr/>
+                </a:tc>
+                <a:tc>
+                  <a:txBody>
+                    <a:bodyPr/>
+                    <a:lstStyle/>
+                    <a:p>
+                      <a:pPr latinLnBrk="1"/>
+                      <a:r>
+                        <a:rPr lang="en-US" altLang="ko-KR" dirty="0" smtClean="0"/>
+                        <a:t>0.98</a:t>
+                      </a:r>
+                      <a:endParaRPr lang="ko-KR" altLang="en-US" dirty="0"/>
+                    </a:p>
+                  </a:txBody>
+                  <a:tcPr/>
+                </a:tc>
+                <a:tc>
+                  <a:txBody>
+                    <a:bodyPr/>
+                    <a:lstStyle/>
+                    <a:p>
+                      <a:pPr latinLnBrk="1"/>
+                      <a:r>
+                        <a:rPr lang="en-US" altLang="ko-KR" dirty="0" smtClean="0"/>
+                        <a:t>0.79</a:t>
+                      </a:r>
+                      <a:endParaRPr lang="ko-KR" altLang="en-US" dirty="0"/>
+                    </a:p>
+                  </a:txBody>
+                  <a:tcPr/>
+                </a:tc>
+                <a:tc>
+                  <a:txBody>
+                    <a:bodyPr/>
+                    <a:lstStyle/>
+                    <a:p>
+                      <a:pPr latinLnBrk="1"/>
+                      <a:r>
+                        <a:rPr lang="en-US" altLang="ko-KR" dirty="0" smtClean="0"/>
+                        <a:t>1</a:t>
+                      </a:r>
+                      <a:endParaRPr lang="ko-KR" altLang="en-US" dirty="0"/>
+                    </a:p>
+                  </a:txBody>
+                  <a:tcPr/>
+                </a:tc>
+                <a:tc>
+                  <a:txBody>
+                    <a:bodyPr/>
+                    <a:lstStyle/>
+                    <a:p>
+                      <a:pPr latinLnBrk="1"/>
+                      <a:r>
+                        <a:rPr lang="en-US" altLang="ko-KR" dirty="0" smtClean="0"/>
+                        <a:t>1</a:t>
+                      </a:r>
+                      <a:endParaRPr lang="ko-KR" altLang="en-US" dirty="0"/>
+                    </a:p>
+                  </a:txBody>
+                  <a:tcPr/>
+                </a:tc>
+                <a:extLst>
+                  <a:ext uri="{0D108BD9-81ED-4DB2-BD59-A6C34878D82A}">
+                    <a16:rowId xmlns:a16="http://schemas.microsoft.com/office/drawing/2014/main" xmlns="" val="1395679264"/>
+                  </a:ext>
+                </a:extLst>
+              </a:tr>
+              <a:tr h="370840">
+                <a:tc>
+                  <a:txBody>
+                    <a:bodyPr/>
+                    <a:lstStyle/>
+                    <a:p>
+                      <a:pPr marL="0" marR="0" lvl="0" indent="0" algn="l" defTabSz="457200" rtl="0" eaLnBrk="1" fontAlgn="auto" latinLnBrk="1" hangingPunct="1">
+                        <a:lnSpc>
+                          <a:spcPct val="100000"/>
+                        </a:lnSpc>
+                        <a:spcBef>
+                          <a:spcPts val="0"/>
+                        </a:spcBef>
+                        <a:spcAft>
+                          <a:spcPts val="0"/>
+                        </a:spcAft>
+                        <a:buClrTx/>
+                        <a:buSzTx/>
+                        <a:buFontTx/>
+                        <a:buNone/>
+                        <a:tabLst/>
+                        <a:defRPr/>
+                      </a:pPr>
+                      <a:r>
+                        <a:rPr lang="en-US" altLang="ko-KR" dirty="0"/>
+                        <a:t>Spam</a:t>
+                      </a:r>
+                    </a:p>
+                    <a:p>
+                      <a:pPr marL="0" marR="0" lvl="0" indent="0" algn="l" defTabSz="457200" rtl="0" eaLnBrk="1" fontAlgn="auto" latinLnBrk="1" hangingPunct="1">
+                        <a:lnSpc>
+                          <a:spcPct val="100000"/>
+                        </a:lnSpc>
+                        <a:spcBef>
+                          <a:spcPts val="0"/>
+                        </a:spcBef>
+                        <a:spcAft>
+                          <a:spcPts val="0"/>
+                        </a:spcAft>
+                        <a:buClrTx/>
+                        <a:buSzTx/>
+                        <a:buFontTx/>
+                        <a:buNone/>
+                        <a:tabLst/>
+                        <a:defRPr/>
+                      </a:pPr>
+                      <a:r>
+                        <a:rPr lang="en-US" altLang="ko-KR" dirty="0"/>
+                        <a:t>recall</a:t>
+                      </a:r>
+                      <a:endParaRPr lang="ko-KR" altLang="en-US" dirty="0"/>
+                    </a:p>
+                  </a:txBody>
+                  <a:tcPr/>
+                </a:tc>
+                <a:tc>
+                  <a:txBody>
+                    <a:bodyPr/>
+                    <a:lstStyle/>
+                    <a:p>
+                      <a:pPr latinLnBrk="1"/>
+                      <a:r>
+                        <a:rPr lang="en-US" altLang="ko-KR" dirty="0" smtClean="0"/>
+                        <a:t>0.94</a:t>
+                      </a:r>
+                      <a:endParaRPr lang="ko-KR" altLang="en-US" dirty="0"/>
+                    </a:p>
+                  </a:txBody>
+                  <a:tcPr/>
+                </a:tc>
+                <a:tc>
+                  <a:txBody>
+                    <a:bodyPr/>
+                    <a:lstStyle/>
+                    <a:p>
+                      <a:pPr latinLnBrk="1"/>
+                      <a:r>
+                        <a:rPr lang="en-US" altLang="ko-KR" dirty="0" smtClean="0"/>
+                        <a:t>0.94</a:t>
+                      </a:r>
+                      <a:endParaRPr lang="ko-KR" altLang="en-US" dirty="0"/>
+                    </a:p>
+                  </a:txBody>
+                  <a:tcPr/>
+                </a:tc>
+                <a:tc>
+                  <a:txBody>
+                    <a:bodyPr/>
+                    <a:lstStyle/>
+                    <a:p>
+                      <a:pPr latinLnBrk="1"/>
+                      <a:r>
+                        <a:rPr lang="en-US" altLang="ko-KR" dirty="0" smtClean="0"/>
+                        <a:t>0.95</a:t>
+                      </a:r>
+                      <a:endParaRPr lang="ko-KR" altLang="en-US" dirty="0"/>
+                    </a:p>
+                  </a:txBody>
+                  <a:tcPr/>
+                </a:tc>
+                <a:tc>
+                  <a:txBody>
+                    <a:bodyPr/>
+                    <a:lstStyle/>
+                    <a:p>
+                      <a:pPr latinLnBrk="1"/>
+                      <a:r>
+                        <a:rPr lang="en-US" altLang="ko-KR" dirty="0" smtClean="0"/>
+                        <a:t>0.08</a:t>
+                      </a:r>
+                      <a:endParaRPr lang="ko-KR" altLang="en-US" dirty="0"/>
+                    </a:p>
+                  </a:txBody>
+                  <a:tcPr/>
+                </a:tc>
+                <a:tc>
+                  <a:txBody>
+                    <a:bodyPr/>
+                    <a:lstStyle/>
+                    <a:p>
+                      <a:pPr latinLnBrk="1"/>
+                      <a:r>
+                        <a:rPr lang="en-US" altLang="ko-KR" dirty="0" smtClean="0"/>
+                        <a:t>0.02</a:t>
+                      </a:r>
+                      <a:endParaRPr lang="ko-KR" altLang="en-US" dirty="0"/>
+                    </a:p>
+                  </a:txBody>
+                  <a:tcPr/>
+                </a:tc>
+                <a:extLst>
+                  <a:ext uri="{0D108BD9-81ED-4DB2-BD59-A6C34878D82A}">
+                    <a16:rowId xmlns:a16="http://schemas.microsoft.com/office/drawing/2014/main" xmlns="" val="208138647"/>
+                  </a:ext>
+                </a:extLst>
+              </a:tr>
+              <a:tr h="258398">
+                <a:tc>
+                  <a:txBody>
+                    <a:bodyPr/>
+                    <a:lstStyle/>
+                    <a:p>
+                      <a:pPr marL="0" marR="0" lvl="0" indent="0" algn="l" defTabSz="457200" rtl="0" eaLnBrk="1" fontAlgn="auto" latinLnBrk="1" hangingPunct="1">
+                        <a:lnSpc>
+                          <a:spcPct val="100000"/>
+                        </a:lnSpc>
+                        <a:spcBef>
+                          <a:spcPts val="0"/>
+                        </a:spcBef>
+                        <a:spcAft>
+                          <a:spcPts val="0"/>
+                        </a:spcAft>
+                        <a:buClrTx/>
+                        <a:buSzTx/>
+                        <a:buFontTx/>
+                        <a:buNone/>
+                        <a:tabLst/>
+                        <a:defRPr/>
+                      </a:pPr>
+                      <a:r>
+                        <a:rPr lang="en-US" altLang="ko-KR" dirty="0"/>
+                        <a:t>Spam</a:t>
+                      </a:r>
+                    </a:p>
+                    <a:p>
+                      <a:pPr marL="0" marR="0" lvl="0" indent="0" algn="l" defTabSz="457200" rtl="0" eaLnBrk="1" fontAlgn="auto" latinLnBrk="1" hangingPunct="1">
+                        <a:lnSpc>
+                          <a:spcPct val="100000"/>
+                        </a:lnSpc>
+                        <a:spcBef>
+                          <a:spcPts val="0"/>
+                        </a:spcBef>
+                        <a:spcAft>
+                          <a:spcPts val="0"/>
+                        </a:spcAft>
+                        <a:buClrTx/>
+                        <a:buSzTx/>
+                        <a:buFontTx/>
+                        <a:buNone/>
+                        <a:tabLst/>
+                        <a:defRPr/>
+                      </a:pPr>
+                      <a:r>
+                        <a:rPr lang="en-US" altLang="ko-KR" dirty="0"/>
+                        <a:t>f1-score</a:t>
+                      </a:r>
+                      <a:endParaRPr lang="ko-KR" altLang="en-US" dirty="0"/>
+                    </a:p>
+                  </a:txBody>
+                  <a:tcPr/>
+                </a:tc>
+                <a:tc>
+                  <a:txBody>
+                    <a:bodyPr/>
+                    <a:lstStyle/>
+                    <a:p>
+                      <a:pPr latinLnBrk="1"/>
+                      <a:r>
+                        <a:rPr lang="en-US" altLang="ko-KR" dirty="0" smtClean="0"/>
+                        <a:t>0.96</a:t>
+                      </a:r>
+                      <a:endParaRPr lang="ko-KR" altLang="en-US" dirty="0"/>
+                    </a:p>
+                  </a:txBody>
+                  <a:tcPr/>
+                </a:tc>
+                <a:tc>
+                  <a:txBody>
+                    <a:bodyPr/>
+                    <a:lstStyle/>
+                    <a:p>
+                      <a:pPr latinLnBrk="1"/>
+                      <a:r>
+                        <a:rPr lang="en-US" altLang="ko-KR" dirty="0" smtClean="0"/>
+                        <a:t>0.96</a:t>
+                      </a:r>
+                      <a:endParaRPr lang="ko-KR" altLang="en-US" dirty="0"/>
+                    </a:p>
+                  </a:txBody>
+                  <a:tcPr/>
+                </a:tc>
+                <a:tc>
+                  <a:txBody>
+                    <a:bodyPr/>
+                    <a:lstStyle/>
+                    <a:p>
+                      <a:pPr latinLnBrk="1"/>
+                      <a:r>
+                        <a:rPr lang="en-US" altLang="ko-KR" dirty="0" smtClean="0"/>
+                        <a:t>0.87</a:t>
+                      </a:r>
+                      <a:endParaRPr lang="ko-KR" altLang="en-US" dirty="0"/>
+                    </a:p>
+                  </a:txBody>
+                  <a:tcPr/>
+                </a:tc>
+                <a:tc>
+                  <a:txBody>
+                    <a:bodyPr/>
+                    <a:lstStyle/>
+                    <a:p>
+                      <a:pPr latinLnBrk="1"/>
+                      <a:r>
+                        <a:rPr lang="en-US" altLang="ko-KR" dirty="0" smtClean="0"/>
+                        <a:t>0.14</a:t>
+                      </a:r>
+                      <a:endParaRPr lang="ko-KR" altLang="en-US" dirty="0"/>
+                    </a:p>
+                  </a:txBody>
+                  <a:tcPr/>
+                </a:tc>
+                <a:tc>
+                  <a:txBody>
+                    <a:bodyPr/>
+                    <a:lstStyle/>
+                    <a:p>
+                      <a:pPr latinLnBrk="1"/>
+                      <a:r>
+                        <a:rPr lang="en-US" altLang="ko-KR" dirty="0" smtClean="0"/>
+                        <a:t>0.04</a:t>
+                      </a:r>
+                      <a:endParaRPr lang="ko-KR" altLang="en-US" dirty="0"/>
+                    </a:p>
+                  </a:txBody>
+                  <a:tcPr/>
+                </a:tc>
+                <a:extLst>
+                  <a:ext uri="{0D108BD9-81ED-4DB2-BD59-A6C34878D82A}">
+                    <a16:rowId xmlns:a16="http://schemas.microsoft.com/office/drawing/2014/main" xmlns="" val="404543529"/>
+                  </a:ext>
+                </a:extLst>
+              </a:tr>
+            </a:tbl>
+          </a:graphicData>
+        </a:graphic>
+      </p:graphicFrame>
+    </p:spTree>
+    <p:extLst>
+      <p:ext uri="{BB962C8B-B14F-4D97-AF65-F5344CB8AC3E}">
+        <p14:creationId xmlns:p14="http://schemas.microsoft.com/office/powerpoint/2010/main" val="2109255965"/>
+      </p:ext>
+    </p:extLst>
+  </p:cSld>
+  <p:clrMapOvr>
+    <a:masterClrMapping/>
+  </p:clrMapOvr>
+</p:sld>
+</file>
+
+<file path=ppt/slides/slide13.xml><?xml version="1.0" encoding="utf-8"?>
+<p:sld xmlns:a="http://schemas.openxmlformats.org/drawingml/2006/main" xmlns:r="http://schemas.openxmlformats.org/officeDocument/2006/relationships" xmlns:p="http://schemas.openxmlformats.org/presentationml/2006/main">
+  <p:cSld>
+    <p:spTree>
+      <p:nvGrpSpPr>
+        <p:cNvPr id="1" name=""/>
+        <p:cNvGrpSpPr/>
+        <p:nvPr/>
+      </p:nvGrpSpPr>
+      <p:grpSpPr>
+        <a:xfrm>
+          <a:off x="0" y="0"/>
+          <a:ext cx="0" cy="0"/>
+          <a:chOff x="0" y="0"/>
+          <a:chExt cx="0" cy="0"/>
+        </a:xfrm>
+      </p:grpSpPr>
+      <p:sp>
+        <p:nvSpPr>
+          <p:cNvPr id="2" name="Title 1"/>
+          <p:cNvSpPr>
+            <a:spLocks noGrp="1"/>
+          </p:cNvSpPr>
+          <p:nvPr>
+            <p:ph type="title"/>
+          </p:nvPr>
+        </p:nvSpPr>
+        <p:spPr/>
+        <p:txBody>
+          <a:bodyPr/>
+          <a:lstStyle/>
+          <a:p>
+            <a:r>
+              <a:rPr lang="en-US" altLang="ko-KR" dirty="0" smtClean="0"/>
+              <a:t>3rd</a:t>
+            </a:r>
+            <a:r>
+              <a:rPr lang="ko-KR" altLang="en-US" dirty="0" smtClean="0"/>
+              <a:t> </a:t>
+            </a:r>
+            <a:r>
+              <a:rPr lang="ko-KR" altLang="en-US" dirty="0"/>
+              <a:t>모델 생성</a:t>
+            </a:r>
+            <a:endParaRPr lang="en-AU" dirty="0"/>
+          </a:p>
+        </p:txBody>
+      </p:sp>
+      <p:sp>
+        <p:nvSpPr>
+          <p:cNvPr id="6" name="내용 개체 틀 5">
+            <a:extLst>
+              <a:ext uri="{FF2B5EF4-FFF2-40B4-BE49-F238E27FC236}">
+                <a16:creationId xmlns:a16="http://schemas.microsoft.com/office/drawing/2014/main" xmlns="" id="{97DCFABD-2EB4-4F4F-BBA4-CEE49396ABB9}"/>
+              </a:ext>
+            </a:extLst>
+          </p:cNvPr>
+          <p:cNvSpPr>
+            <a:spLocks noGrp="1"/>
+          </p:cNvSpPr>
+          <p:nvPr>
+            <p:ph idx="1"/>
+          </p:nvPr>
+        </p:nvSpPr>
+        <p:spPr/>
+        <p:txBody>
+          <a:bodyPr anchor="t"/>
+          <a:lstStyle/>
+          <a:p>
+            <a:pPr marL="0" indent="0">
+              <a:buNone/>
+            </a:pPr>
+            <a:r>
+              <a:rPr lang="en-US" altLang="ko-KR" dirty="0" err="1" smtClean="0"/>
+              <a:t>RandomForest</a:t>
+            </a:r>
+            <a:r>
+              <a:rPr lang="ko-KR" altLang="en-US" dirty="0" smtClean="0"/>
+              <a:t>를 통해 분류하였으며 </a:t>
+            </a:r>
+            <a:r>
+              <a:rPr lang="en-US" altLang="ko-KR" dirty="0" smtClean="0"/>
+              <a:t>criterion </a:t>
+            </a:r>
+            <a:r>
+              <a:rPr lang="ko-KR" altLang="en-US" dirty="0" smtClean="0"/>
+              <a:t>외 </a:t>
+            </a:r>
+            <a:r>
+              <a:rPr lang="en-US" altLang="ko-KR" dirty="0" err="1" smtClean="0"/>
+              <a:t>max_depth</a:t>
+            </a:r>
+            <a:r>
+              <a:rPr lang="en-US" altLang="ko-KR" dirty="0" smtClean="0"/>
+              <a:t>, </a:t>
+            </a:r>
+            <a:r>
+              <a:rPr lang="en-US" altLang="ko-KR" dirty="0" err="1" smtClean="0"/>
+              <a:t>min_samples_leaf</a:t>
+            </a:r>
+            <a:r>
+              <a:rPr lang="en-US" altLang="ko-KR" dirty="0" smtClean="0"/>
+              <a:t> </a:t>
+            </a:r>
+            <a:r>
+              <a:rPr lang="ko-KR" altLang="en-US" dirty="0" smtClean="0"/>
+              <a:t>등의 </a:t>
+            </a:r>
+            <a:r>
+              <a:rPr lang="ko-KR" altLang="en-US" dirty="0" err="1" smtClean="0"/>
+              <a:t>파라미터는</a:t>
+            </a:r>
+            <a:r>
+              <a:rPr lang="ko-KR" altLang="en-US" dirty="0" smtClean="0"/>
+              <a:t> 수정하면 성능이 악화되어 </a:t>
+            </a:r>
+            <a:r>
+              <a:rPr lang="en-US" altLang="ko-KR" dirty="0" smtClean="0"/>
+              <a:t>default</a:t>
+            </a:r>
+            <a:r>
+              <a:rPr lang="ko-KR" altLang="en-US" dirty="0" smtClean="0"/>
+              <a:t>값으로 둠</a:t>
+            </a:r>
+            <a:endParaRPr lang="en-US" altLang="ko-KR" dirty="0" smtClean="0"/>
+          </a:p>
+          <a:p>
+            <a:endParaRPr lang="en-US" altLang="ko-KR" dirty="0"/>
+          </a:p>
+          <a:p>
+            <a:endParaRPr lang="ko-KR" altLang="en-US" dirty="0"/>
+          </a:p>
+        </p:txBody>
+      </p:sp>
+      <p:graphicFrame>
+        <p:nvGraphicFramePr>
+          <p:cNvPr id="4" name="표 3">
+            <a:extLst>
+              <a:ext uri="{FF2B5EF4-FFF2-40B4-BE49-F238E27FC236}">
+                <a16:creationId xmlns:a16="http://schemas.microsoft.com/office/drawing/2014/main" xmlns="" id="{3B614693-8AEE-484C-84B7-D8D9CF8D1B8A}"/>
+              </a:ext>
+            </a:extLst>
+          </p:cNvPr>
+          <p:cNvGraphicFramePr>
+            <a:graphicFrameLocks noGrp="1"/>
+          </p:cNvGraphicFramePr>
+          <p:nvPr>
+            <p:extLst>
+              <p:ext uri="{D42A27DB-BD31-4B8C-83A1-F6EECF244321}">
+                <p14:modId xmlns:p14="http://schemas.microsoft.com/office/powerpoint/2010/main" val="3015884666"/>
+              </p:ext>
+            </p:extLst>
+          </p:nvPr>
+        </p:nvGraphicFramePr>
+        <p:xfrm>
+          <a:off x="3273714" y="3194234"/>
+          <a:ext cx="5205978" cy="2931160"/>
+        </p:xfrm>
+        <a:graphic>
+          <a:graphicData uri="http://schemas.openxmlformats.org/drawingml/2006/table">
+            <a:tbl>
+              <a:tblPr firstRow="1" bandRow="1">
+                <a:tableStyleId>{5C22544A-7EE6-4342-B048-85BDC9FD1C3A}</a:tableStyleId>
+              </a:tblPr>
+              <a:tblGrid>
+                <a:gridCol w="2060546">
+                  <a:extLst>
+                    <a:ext uri="{9D8B030D-6E8A-4147-A177-3AD203B41FA5}">
+                      <a16:colId xmlns:a16="http://schemas.microsoft.com/office/drawing/2014/main" xmlns="" val="332896287"/>
+                    </a:ext>
+                  </a:extLst>
+                </a:gridCol>
+                <a:gridCol w="1572716">
+                  <a:extLst>
+                    <a:ext uri="{9D8B030D-6E8A-4147-A177-3AD203B41FA5}">
+                      <a16:colId xmlns:a16="http://schemas.microsoft.com/office/drawing/2014/main" xmlns="" val="3011235510"/>
+                    </a:ext>
+                  </a:extLst>
+                </a:gridCol>
+                <a:gridCol w="1572716">
+                  <a:extLst>
+                    <a:ext uri="{9D8B030D-6E8A-4147-A177-3AD203B41FA5}">
+                      <a16:colId xmlns:a16="http://schemas.microsoft.com/office/drawing/2014/main" xmlns="" val="1181593252"/>
+                    </a:ext>
+                  </a:extLst>
+                </a:gridCol>
+              </a:tblGrid>
+              <a:tr h="370840">
+                <a:tc>
+                  <a:txBody>
+                    <a:bodyPr/>
+                    <a:lstStyle/>
+                    <a:p>
+                      <a:pPr latinLnBrk="1"/>
+                      <a:r>
+                        <a:rPr lang="en-US" altLang="ko-KR" dirty="0"/>
+                        <a:t>Test set score</a:t>
+                      </a:r>
+                      <a:endParaRPr lang="ko-KR" altLang="en-US" dirty="0"/>
+                    </a:p>
+                  </a:txBody>
+                  <a:tcPr/>
+                </a:tc>
+                <a:tc>
+                  <a:txBody>
+                    <a:bodyPr/>
+                    <a:lstStyle/>
+                    <a:p>
+                      <a:pPr latinLnBrk="1"/>
+                      <a:r>
+                        <a:rPr lang="en-US" altLang="ko-KR" dirty="0" smtClean="0"/>
+                        <a:t>Criterion = entropy</a:t>
+                      </a:r>
+                      <a:endParaRPr lang="ko-KR" altLang="en-US" dirty="0"/>
+                    </a:p>
+                  </a:txBody>
+                  <a:tcPr/>
+                </a:tc>
+                <a:tc>
+                  <a:txBody>
+                    <a:bodyPr/>
+                    <a:lstStyle/>
+                    <a:p>
+                      <a:pPr latinLnBrk="1"/>
+                      <a:r>
+                        <a:rPr lang="en-US" altLang="ko-KR" dirty="0" smtClean="0"/>
+                        <a:t>Criterion</a:t>
+                      </a:r>
+                      <a:r>
+                        <a:rPr lang="en-US" altLang="ko-KR" baseline="0" dirty="0" smtClean="0"/>
+                        <a:t> = </a:t>
+                      </a:r>
+                      <a:r>
+                        <a:rPr lang="en-US" altLang="ko-KR" baseline="0" dirty="0" err="1" smtClean="0"/>
+                        <a:t>gini</a:t>
+                      </a:r>
+                      <a:endParaRPr lang="ko-KR" altLang="en-US" dirty="0"/>
+                    </a:p>
+                  </a:txBody>
+                  <a:tcPr/>
+                </a:tc>
+                <a:extLst>
+                  <a:ext uri="{0D108BD9-81ED-4DB2-BD59-A6C34878D82A}">
+                    <a16:rowId xmlns:a16="http://schemas.microsoft.com/office/drawing/2014/main" xmlns="" val="1349001174"/>
+                  </a:ext>
+                </a:extLst>
+              </a:tr>
+              <a:tr h="370840">
+                <a:tc>
+                  <a:txBody>
+                    <a:bodyPr/>
+                    <a:lstStyle/>
+                    <a:p>
+                      <a:pPr latinLnBrk="1"/>
+                      <a:r>
+                        <a:rPr lang="en-US" altLang="ko-KR" dirty="0"/>
+                        <a:t>accuracy</a:t>
+                      </a:r>
+                      <a:endParaRPr lang="ko-KR" altLang="en-US" dirty="0"/>
+                    </a:p>
+                  </a:txBody>
+                  <a:tcPr/>
+                </a:tc>
+                <a:tc>
+                  <a:txBody>
+                    <a:bodyPr/>
+                    <a:lstStyle/>
+                    <a:p>
+                      <a:pPr latinLnBrk="1"/>
+                      <a:r>
+                        <a:rPr lang="en-US" altLang="ko-KR" dirty="0" smtClean="0"/>
+                        <a:t>0.95</a:t>
+                      </a:r>
+                      <a:endParaRPr lang="ko-KR" altLang="en-US" dirty="0"/>
+                    </a:p>
+                  </a:txBody>
+                  <a:tcPr/>
+                </a:tc>
+                <a:tc>
+                  <a:txBody>
+                    <a:bodyPr/>
+                    <a:lstStyle/>
+                    <a:p>
+                      <a:pPr latinLnBrk="1"/>
+                      <a:r>
+                        <a:rPr lang="en-US" altLang="ko-KR" dirty="0" smtClean="0"/>
+                        <a:t>0.96</a:t>
+                      </a:r>
+                      <a:endParaRPr lang="ko-KR" altLang="en-US" dirty="0"/>
+                    </a:p>
+                  </a:txBody>
+                  <a:tcPr/>
+                </a:tc>
+                <a:extLst>
+                  <a:ext uri="{0D108BD9-81ED-4DB2-BD59-A6C34878D82A}">
+                    <a16:rowId xmlns:a16="http://schemas.microsoft.com/office/drawing/2014/main" xmlns="" val="811061487"/>
+                  </a:ext>
+                </a:extLst>
+              </a:tr>
+              <a:tr h="370840">
+                <a:tc>
+                  <a:txBody>
+                    <a:bodyPr/>
+                    <a:lstStyle/>
+                    <a:p>
+                      <a:pPr latinLnBrk="1"/>
+                      <a:r>
+                        <a:rPr lang="en-US" altLang="ko-KR" dirty="0"/>
+                        <a:t>Spam</a:t>
+                      </a:r>
+                    </a:p>
+                    <a:p>
+                      <a:pPr latinLnBrk="1"/>
+                      <a:r>
+                        <a:rPr lang="en-US" altLang="ko-KR" dirty="0"/>
+                        <a:t>precision</a:t>
+                      </a:r>
+                      <a:endParaRPr lang="ko-KR" altLang="en-US" dirty="0"/>
+                    </a:p>
+                  </a:txBody>
+                  <a:tcPr/>
+                </a:tc>
+                <a:tc>
+                  <a:txBody>
+                    <a:bodyPr/>
+                    <a:lstStyle/>
+                    <a:p>
+                      <a:pPr latinLnBrk="1"/>
+                      <a:r>
+                        <a:rPr lang="en-US" altLang="ko-KR" dirty="0" smtClean="0"/>
+                        <a:t>0.98</a:t>
+                      </a:r>
+                      <a:endParaRPr lang="ko-KR" altLang="en-US" dirty="0"/>
+                    </a:p>
+                  </a:txBody>
+                  <a:tcPr/>
+                </a:tc>
+                <a:tc>
+                  <a:txBody>
+                    <a:bodyPr/>
+                    <a:lstStyle/>
+                    <a:p>
+                      <a:pPr latinLnBrk="1"/>
+                      <a:r>
+                        <a:rPr lang="en-US" altLang="ko-KR" dirty="0" smtClean="0"/>
+                        <a:t>0.99</a:t>
+                      </a:r>
+                      <a:endParaRPr lang="ko-KR" altLang="en-US" dirty="0"/>
+                    </a:p>
+                  </a:txBody>
+                  <a:tcPr/>
+                </a:tc>
+                <a:extLst>
+                  <a:ext uri="{0D108BD9-81ED-4DB2-BD59-A6C34878D82A}">
+                    <a16:rowId xmlns:a16="http://schemas.microsoft.com/office/drawing/2014/main" xmlns="" val="1395679264"/>
+                  </a:ext>
+                </a:extLst>
+              </a:tr>
+              <a:tr h="370840">
+                <a:tc>
+                  <a:txBody>
+                    <a:bodyPr/>
+                    <a:lstStyle/>
+                    <a:p>
+                      <a:pPr marL="0" marR="0" lvl="0" indent="0" algn="l" defTabSz="457200" rtl="0" eaLnBrk="1" fontAlgn="auto" latinLnBrk="1" hangingPunct="1">
+                        <a:lnSpc>
+                          <a:spcPct val="100000"/>
+                        </a:lnSpc>
+                        <a:spcBef>
+                          <a:spcPts val="0"/>
+                        </a:spcBef>
+                        <a:spcAft>
+                          <a:spcPts val="0"/>
+                        </a:spcAft>
+                        <a:buClrTx/>
+                        <a:buSzTx/>
+                        <a:buFontTx/>
+                        <a:buNone/>
+                        <a:tabLst/>
+                        <a:defRPr/>
+                      </a:pPr>
+                      <a:r>
+                        <a:rPr lang="en-US" altLang="ko-KR" dirty="0"/>
+                        <a:t>Spam</a:t>
+                      </a:r>
+                    </a:p>
+                    <a:p>
+                      <a:pPr marL="0" marR="0" lvl="0" indent="0" algn="l" defTabSz="457200" rtl="0" eaLnBrk="1" fontAlgn="auto" latinLnBrk="1" hangingPunct="1">
+                        <a:lnSpc>
+                          <a:spcPct val="100000"/>
+                        </a:lnSpc>
+                        <a:spcBef>
+                          <a:spcPts val="0"/>
+                        </a:spcBef>
+                        <a:spcAft>
+                          <a:spcPts val="0"/>
+                        </a:spcAft>
+                        <a:buClrTx/>
+                        <a:buSzTx/>
+                        <a:buFontTx/>
+                        <a:buNone/>
+                        <a:tabLst/>
+                        <a:defRPr/>
+                      </a:pPr>
+                      <a:r>
+                        <a:rPr lang="en-US" altLang="ko-KR" dirty="0"/>
+                        <a:t>recall</a:t>
+                      </a:r>
+                      <a:endParaRPr lang="ko-KR" altLang="en-US" dirty="0"/>
+                    </a:p>
+                  </a:txBody>
+                  <a:tcPr/>
+                </a:tc>
+                <a:tc>
+                  <a:txBody>
+                    <a:bodyPr/>
+                    <a:lstStyle/>
+                    <a:p>
+                      <a:pPr latinLnBrk="1"/>
+                      <a:r>
+                        <a:rPr lang="en-US" altLang="ko-KR" dirty="0" smtClean="0"/>
+                        <a:t>0.92</a:t>
+                      </a:r>
+                      <a:endParaRPr lang="ko-KR" altLang="en-US" dirty="0"/>
+                    </a:p>
+                  </a:txBody>
+                  <a:tcPr/>
+                </a:tc>
+                <a:tc>
+                  <a:txBody>
+                    <a:bodyPr/>
+                    <a:lstStyle/>
+                    <a:p>
+                      <a:pPr latinLnBrk="1"/>
+                      <a:r>
+                        <a:rPr lang="en-US" altLang="ko-KR" dirty="0" smtClean="0"/>
+                        <a:t>0.93</a:t>
+                      </a:r>
+                      <a:endParaRPr lang="ko-KR" altLang="en-US" dirty="0"/>
+                    </a:p>
+                  </a:txBody>
+                  <a:tcPr/>
+                </a:tc>
+                <a:extLst>
+                  <a:ext uri="{0D108BD9-81ED-4DB2-BD59-A6C34878D82A}">
+                    <a16:rowId xmlns:a16="http://schemas.microsoft.com/office/drawing/2014/main" xmlns="" val="208138647"/>
+                  </a:ext>
+                </a:extLst>
+              </a:tr>
+              <a:tr h="258398">
+                <a:tc>
+                  <a:txBody>
+                    <a:bodyPr/>
+                    <a:lstStyle/>
+                    <a:p>
+                      <a:pPr marL="0" marR="0" lvl="0" indent="0" algn="l" defTabSz="457200" rtl="0" eaLnBrk="1" fontAlgn="auto" latinLnBrk="1" hangingPunct="1">
+                        <a:lnSpc>
+                          <a:spcPct val="100000"/>
+                        </a:lnSpc>
+                        <a:spcBef>
+                          <a:spcPts val="0"/>
+                        </a:spcBef>
+                        <a:spcAft>
+                          <a:spcPts val="0"/>
+                        </a:spcAft>
+                        <a:buClrTx/>
+                        <a:buSzTx/>
+                        <a:buFontTx/>
+                        <a:buNone/>
+                        <a:tabLst/>
+                        <a:defRPr/>
+                      </a:pPr>
+                      <a:r>
+                        <a:rPr lang="en-US" altLang="ko-KR" dirty="0"/>
+                        <a:t>Spam</a:t>
+                      </a:r>
+                    </a:p>
+                    <a:p>
+                      <a:pPr marL="0" marR="0" lvl="0" indent="0" algn="l" defTabSz="457200" rtl="0" eaLnBrk="1" fontAlgn="auto" latinLnBrk="1" hangingPunct="1">
+                        <a:lnSpc>
+                          <a:spcPct val="100000"/>
+                        </a:lnSpc>
+                        <a:spcBef>
+                          <a:spcPts val="0"/>
+                        </a:spcBef>
+                        <a:spcAft>
+                          <a:spcPts val="0"/>
+                        </a:spcAft>
+                        <a:buClrTx/>
+                        <a:buSzTx/>
+                        <a:buFontTx/>
+                        <a:buNone/>
+                        <a:tabLst/>
+                        <a:defRPr/>
+                      </a:pPr>
+                      <a:r>
+                        <a:rPr lang="en-US" altLang="ko-KR" dirty="0"/>
+                        <a:t>f1-score</a:t>
+                      </a:r>
+                      <a:endParaRPr lang="ko-KR" altLang="en-US" dirty="0"/>
+                    </a:p>
+                  </a:txBody>
+                  <a:tcPr/>
+                </a:tc>
+                <a:tc>
+                  <a:txBody>
+                    <a:bodyPr/>
+                    <a:lstStyle/>
+                    <a:p>
+                      <a:pPr latinLnBrk="1"/>
+                      <a:r>
+                        <a:rPr lang="en-US" altLang="ko-KR" dirty="0" smtClean="0"/>
+                        <a:t>0.95</a:t>
+                      </a:r>
+                      <a:endParaRPr lang="ko-KR" altLang="en-US" dirty="0"/>
+                    </a:p>
+                  </a:txBody>
+                  <a:tcPr/>
+                </a:tc>
+                <a:tc>
+                  <a:txBody>
+                    <a:bodyPr/>
+                    <a:lstStyle/>
+                    <a:p>
+                      <a:pPr latinLnBrk="1"/>
+                      <a:r>
+                        <a:rPr lang="en-US" altLang="ko-KR" dirty="0" smtClean="0"/>
+                        <a:t>0.96</a:t>
+                      </a:r>
+                      <a:endParaRPr lang="ko-KR" altLang="en-US" dirty="0"/>
+                    </a:p>
+                  </a:txBody>
+                  <a:tcPr/>
+                </a:tc>
+                <a:extLst>
+                  <a:ext uri="{0D108BD9-81ED-4DB2-BD59-A6C34878D82A}">
+                    <a16:rowId xmlns:a16="http://schemas.microsoft.com/office/drawing/2014/main" xmlns="" val="404543529"/>
+                  </a:ext>
+                </a:extLst>
+              </a:tr>
+            </a:tbl>
+          </a:graphicData>
+        </a:graphic>
+      </p:graphicFrame>
+    </p:spTree>
+    <p:extLst>
+      <p:ext uri="{BB962C8B-B14F-4D97-AF65-F5344CB8AC3E}">
+        <p14:creationId xmlns:p14="http://schemas.microsoft.com/office/powerpoint/2010/main" val="3874077323"/>
+      </p:ext>
+    </p:extLst>
+  </p:cSld>
+  <p:clrMapOvr>
+    <a:masterClrMapping/>
+  </p:clrMapOvr>
+</p:sld>
+</file>
+
+<file path=ppt/slides/slide14.xml><?xml version="1.0" encoding="utf-8"?>
+<p:sld xmlns:a="http://schemas.openxmlformats.org/drawingml/2006/main" xmlns:r="http://schemas.openxmlformats.org/officeDocument/2006/relationships" xmlns:p="http://schemas.openxmlformats.org/presentationml/2006/main">
+  <p:cSld>
+    <p:spTree>
+      <p:nvGrpSpPr>
+        <p:cNvPr id="1" name=""/>
+        <p:cNvGrpSpPr/>
+        <p:nvPr/>
+      </p:nvGrpSpPr>
+      <p:grpSpPr>
+        <a:xfrm>
+          <a:off x="0" y="0"/>
+          <a:ext cx="0" cy="0"/>
+          <a:chOff x="0" y="0"/>
+          <a:chExt cx="0" cy="0"/>
+        </a:xfrm>
+      </p:grpSpPr>
+      <p:sp>
+        <p:nvSpPr>
+          <p:cNvPr id="2" name="Title 1"/>
+          <p:cNvSpPr>
+            <a:spLocks noGrp="1"/>
+          </p:cNvSpPr>
+          <p:nvPr>
+            <p:ph type="title"/>
+          </p:nvPr>
+        </p:nvSpPr>
+        <p:spPr/>
+        <p:txBody>
+          <a:bodyPr/>
+          <a:lstStyle/>
+          <a:p>
+            <a:r>
               <a:rPr lang="ko-KR" altLang="en-US" dirty="0" err="1"/>
               <a:t>번외</a:t>
             </a:r>
@@ -6861,52 +9028,10 @@
           <a:lstStyle/>
           <a:p>
             <a:r>
-              <a:rPr lang="ko-KR" altLang="en-US" dirty="0"/>
-              <a:t>데이터 탐색</a:t>
-            </a:r>
-            <a:endParaRPr lang="en-US" altLang="ko-KR" dirty="0"/>
-          </a:p>
-          <a:p>
-            <a:r>
-              <a:rPr lang="ko-KR" altLang="en-US" dirty="0"/>
-              <a:t>모델 생성</a:t>
-            </a:r>
-            <a:endParaRPr lang="en-US" altLang="ko-KR" dirty="0"/>
-          </a:p>
-          <a:p>
-            <a:r>
-              <a:rPr lang="ko-KR" altLang="en-US" dirty="0"/>
-              <a:t>데이터 </a:t>
-            </a:r>
-            <a:r>
-              <a:rPr lang="ko-KR" altLang="en-US" dirty="0" err="1"/>
-              <a:t>전처리</a:t>
+              <a:rPr lang="ko-KR" altLang="en-US" smtClean="0"/>
+              <a:t>기존 라벨에서 </a:t>
             </a:r>
             <a:endParaRPr lang="en-AU" dirty="0"/>
-          </a:p>
-          <a:p>
-            <a:r>
-              <a:rPr lang="ko-KR" altLang="en-US" dirty="0" err="1"/>
-              <a:t>아웃라이어</a:t>
-            </a:r>
-            <a:r>
-              <a:rPr lang="ko-KR" altLang="en-US" dirty="0"/>
-              <a:t> 처리</a:t>
-            </a:r>
-            <a:endParaRPr lang="en-US" altLang="ko-KR" dirty="0"/>
-          </a:p>
-          <a:p>
-            <a:r>
-              <a:rPr lang="ko-KR" altLang="en-US" dirty="0"/>
-              <a:t>파라미터 튜닝</a:t>
-            </a:r>
-            <a:endParaRPr lang="en-US" altLang="ko-KR" dirty="0"/>
-          </a:p>
-          <a:p>
-            <a:r>
-              <a:rPr lang="en-AU" dirty="0"/>
-              <a:t>Binary Classification</a:t>
-            </a:r>
           </a:p>
         </p:txBody>
       </p:sp>
@@ -6923,7 +9048,7 @@
 </p:sld>
 </file>
 
-<file path=ppt/slides/slide13.xml><?xml version="1.0" encoding="utf-8"?>
+<file path=ppt/slides/slide15.xml><?xml version="1.0" encoding="utf-8"?>
 <p:sld xmlns:a="http://schemas.openxmlformats.org/drawingml/2006/main" xmlns:r="http://schemas.openxmlformats.org/officeDocument/2006/relationships" xmlns:p="http://schemas.openxmlformats.org/presentationml/2006/main">
   <p:cSld>
     <p:spTree>
@@ -7044,7 +9169,7 @@
 </p:sld>
 </file>
 
-<file path=ppt/slides/slide14.xml><?xml version="1.0" encoding="utf-8"?>
+<file path=ppt/slides/slide16.xml><?xml version="1.0" encoding="utf-8"?>
 <p:sld xmlns:a="http://schemas.openxmlformats.org/drawingml/2006/main" xmlns:r="http://schemas.openxmlformats.org/officeDocument/2006/relationships" xmlns:p="http://schemas.openxmlformats.org/presentationml/2006/main">
   <p:cSld>
     <p:spTree>
@@ -7179,7 +9304,7 @@
 </p:sld>
 </file>
 
-<file path=ppt/slides/slide15.xml><?xml version="1.0" encoding="utf-8"?>
+<file path=ppt/slides/slide17.xml><?xml version="1.0" encoding="utf-8"?>
 <p:sld xmlns:a="http://schemas.openxmlformats.org/drawingml/2006/main" xmlns:r="http://schemas.openxmlformats.org/officeDocument/2006/relationships" xmlns:p="http://schemas.openxmlformats.org/presentationml/2006/main">
   <p:cSld>
     <p:spTree>
@@ -7344,7 +9469,7 @@
 </p:sld>
 </file>
 
-<file path=ppt/slides/slide16.xml><?xml version="1.0" encoding="utf-8"?>
+<file path=ppt/slides/slide18.xml><?xml version="1.0" encoding="utf-8"?>
 <p:sld xmlns:a="http://schemas.openxmlformats.org/drawingml/2006/main" xmlns:r="http://schemas.openxmlformats.org/officeDocument/2006/relationships" xmlns:p="http://schemas.openxmlformats.org/presentationml/2006/main">
   <p:cSld>
     <p:spTree>
@@ -7497,7 +9622,7 @@
 </p:sld>
 </file>
 
-<file path=ppt/slides/slide17.xml><?xml version="1.0" encoding="utf-8"?>
+<file path=ppt/slides/slide19.xml><?xml version="1.0" encoding="utf-8"?>
 <p:sld xmlns:a="http://schemas.openxmlformats.org/drawingml/2006/main" xmlns:r="http://schemas.openxmlformats.org/officeDocument/2006/relationships" xmlns:p="http://schemas.openxmlformats.org/presentationml/2006/main">
   <p:cSld>
     <p:spTree>
@@ -7626,7 +9751,122 @@
 </p:sld>
 </file>
 
-<file path=ppt/slides/slide18.xml><?xml version="1.0" encoding="utf-8"?>
+<file path=ppt/slides/slide2.xml><?xml version="1.0" encoding="utf-8"?>
+<p:sld xmlns:a="http://schemas.openxmlformats.org/drawingml/2006/main" xmlns:r="http://schemas.openxmlformats.org/officeDocument/2006/relationships" xmlns:p="http://schemas.openxmlformats.org/presentationml/2006/main">
+  <p:cSld>
+    <p:spTree>
+      <p:nvGrpSpPr>
+        <p:cNvPr id="1" name=""/>
+        <p:cNvGrpSpPr/>
+        <p:nvPr/>
+      </p:nvGrpSpPr>
+      <p:grpSpPr>
+        <a:xfrm>
+          <a:off x="0" y="0"/>
+          <a:ext cx="0" cy="0"/>
+          <a:chOff x="0" y="0"/>
+          <a:chExt cx="0" cy="0"/>
+        </a:xfrm>
+      </p:grpSpPr>
+      <p:sp>
+        <p:nvSpPr>
+          <p:cNvPr id="2" name="Title 1"/>
+          <p:cNvSpPr>
+            <a:spLocks noGrp="1"/>
+          </p:cNvSpPr>
+          <p:nvPr>
+            <p:ph type="title"/>
+          </p:nvPr>
+        </p:nvSpPr>
+        <p:spPr/>
+        <p:txBody>
+          <a:bodyPr/>
+          <a:lstStyle/>
+          <a:p>
+            <a:r>
+              <a:rPr lang="ko-KR" altLang="en-US" dirty="0"/>
+              <a:t>진행 과정</a:t>
+            </a:r>
+            <a:endParaRPr lang="en-AU" dirty="0"/>
+          </a:p>
+        </p:txBody>
+      </p:sp>
+      <p:sp>
+        <p:nvSpPr>
+          <p:cNvPr id="3" name="Content Placeholder 2"/>
+          <p:cNvSpPr>
+            <a:spLocks noGrp="1"/>
+          </p:cNvSpPr>
+          <p:nvPr>
+            <p:ph idx="1"/>
+          </p:nvPr>
+        </p:nvSpPr>
+        <p:spPr/>
+        <p:txBody>
+          <a:bodyPr/>
+          <a:lstStyle/>
+          <a:p>
+            <a:r>
+              <a:rPr lang="ko-KR" altLang="en-US" dirty="0"/>
+              <a:t>데이터 탐색</a:t>
+            </a:r>
+            <a:endParaRPr lang="en-US" altLang="ko-KR" dirty="0"/>
+          </a:p>
+          <a:p>
+            <a:r>
+              <a:rPr lang="ko-KR" altLang="en-US" dirty="0"/>
+              <a:t>모델 생성</a:t>
+            </a:r>
+            <a:endParaRPr lang="en-US" altLang="ko-KR" dirty="0"/>
+          </a:p>
+          <a:p>
+            <a:r>
+              <a:rPr lang="ko-KR" altLang="en-US" dirty="0"/>
+              <a:t>데이터 </a:t>
+            </a:r>
+            <a:r>
+              <a:rPr lang="ko-KR" altLang="en-US" dirty="0" err="1"/>
+              <a:t>전처리</a:t>
+            </a:r>
+            <a:endParaRPr lang="en-AU" dirty="0"/>
+          </a:p>
+          <a:p>
+            <a:r>
+              <a:rPr lang="ko-KR" altLang="en-US" dirty="0" err="1"/>
+              <a:t>아웃라이어</a:t>
+            </a:r>
+            <a:r>
+              <a:rPr lang="ko-KR" altLang="en-US" dirty="0"/>
+              <a:t> 처리</a:t>
+            </a:r>
+            <a:endParaRPr lang="en-US" altLang="ko-KR" dirty="0"/>
+          </a:p>
+          <a:p>
+            <a:r>
+              <a:rPr lang="ko-KR" altLang="en-US" dirty="0"/>
+              <a:t>파라미터 튜닝</a:t>
+            </a:r>
+            <a:endParaRPr lang="en-US" altLang="ko-KR" dirty="0"/>
+          </a:p>
+          <a:p>
+            <a:endParaRPr lang="en-AU" dirty="0"/>
+          </a:p>
+        </p:txBody>
+      </p:sp>
+    </p:spTree>
+    <p:extLst>
+      <p:ext uri="{BB962C8B-B14F-4D97-AF65-F5344CB8AC3E}">
+        <p14:creationId xmlns:p14="http://schemas.microsoft.com/office/powerpoint/2010/main" val="571191695"/>
+      </p:ext>
+    </p:extLst>
+  </p:cSld>
+  <p:clrMapOvr>
+    <a:masterClrMapping/>
+  </p:clrMapOvr>
+</p:sld>
+</file>
+
+<file path=ppt/slides/slide20.xml><?xml version="1.0" encoding="utf-8"?>
 <p:sld xmlns:a="http://schemas.openxmlformats.org/drawingml/2006/main" xmlns:r="http://schemas.openxmlformats.org/officeDocument/2006/relationships" xmlns:p="http://schemas.openxmlformats.org/presentationml/2006/main">
   <p:cSld>
     <p:spTree>
@@ -7790,7 +10030,7 @@
 </p:sld>
 </file>
 
-<file path=ppt/slides/slide19.xml><?xml version="1.0" encoding="utf-8"?>
+<file path=ppt/slides/slide21.xml><?xml version="1.0" encoding="utf-8"?>
 <p:sld xmlns:a="http://schemas.openxmlformats.org/drawingml/2006/main" xmlns:r="http://schemas.openxmlformats.org/officeDocument/2006/relationships" xmlns:p="http://schemas.openxmlformats.org/presentationml/2006/main">
   <p:cSld>
     <p:spTree>
@@ -7935,122 +10175,7 @@
 </p:sld>
 </file>
 
-<file path=ppt/slides/slide2.xml><?xml version="1.0" encoding="utf-8"?>
-<p:sld xmlns:a="http://schemas.openxmlformats.org/drawingml/2006/main" xmlns:r="http://schemas.openxmlformats.org/officeDocument/2006/relationships" xmlns:p="http://schemas.openxmlformats.org/presentationml/2006/main">
-  <p:cSld>
-    <p:spTree>
-      <p:nvGrpSpPr>
-        <p:cNvPr id="1" name=""/>
-        <p:cNvGrpSpPr/>
-        <p:nvPr/>
-      </p:nvGrpSpPr>
-      <p:grpSpPr>
-        <a:xfrm>
-          <a:off x="0" y="0"/>
-          <a:ext cx="0" cy="0"/>
-          <a:chOff x="0" y="0"/>
-          <a:chExt cx="0" cy="0"/>
-        </a:xfrm>
-      </p:grpSpPr>
-      <p:sp>
-        <p:nvSpPr>
-          <p:cNvPr id="2" name="Title 1"/>
-          <p:cNvSpPr>
-            <a:spLocks noGrp="1"/>
-          </p:cNvSpPr>
-          <p:nvPr>
-            <p:ph type="title"/>
-          </p:nvPr>
-        </p:nvSpPr>
-        <p:spPr/>
-        <p:txBody>
-          <a:bodyPr/>
-          <a:lstStyle/>
-          <a:p>
-            <a:r>
-              <a:rPr lang="ko-KR" altLang="en-US" dirty="0"/>
-              <a:t>진행 과정</a:t>
-            </a:r>
-            <a:endParaRPr lang="en-AU" dirty="0"/>
-          </a:p>
-        </p:txBody>
-      </p:sp>
-      <p:sp>
-        <p:nvSpPr>
-          <p:cNvPr id="3" name="Content Placeholder 2"/>
-          <p:cNvSpPr>
-            <a:spLocks noGrp="1"/>
-          </p:cNvSpPr>
-          <p:nvPr>
-            <p:ph idx="1"/>
-          </p:nvPr>
-        </p:nvSpPr>
-        <p:spPr/>
-        <p:txBody>
-          <a:bodyPr/>
-          <a:lstStyle/>
-          <a:p>
-            <a:r>
-              <a:rPr lang="ko-KR" altLang="en-US" dirty="0"/>
-              <a:t>데이터 탐색</a:t>
-            </a:r>
-            <a:endParaRPr lang="en-US" altLang="ko-KR" dirty="0"/>
-          </a:p>
-          <a:p>
-            <a:r>
-              <a:rPr lang="ko-KR" altLang="en-US" dirty="0"/>
-              <a:t>모델 생성</a:t>
-            </a:r>
-            <a:endParaRPr lang="en-US" altLang="ko-KR" dirty="0"/>
-          </a:p>
-          <a:p>
-            <a:r>
-              <a:rPr lang="ko-KR" altLang="en-US" dirty="0"/>
-              <a:t>데이터 </a:t>
-            </a:r>
-            <a:r>
-              <a:rPr lang="ko-KR" altLang="en-US" dirty="0" err="1"/>
-              <a:t>전처리</a:t>
-            </a:r>
-            <a:endParaRPr lang="en-AU" dirty="0"/>
-          </a:p>
-          <a:p>
-            <a:r>
-              <a:rPr lang="ko-KR" altLang="en-US" dirty="0" err="1"/>
-              <a:t>아웃라이어</a:t>
-            </a:r>
-            <a:r>
-              <a:rPr lang="ko-KR" altLang="en-US" dirty="0"/>
-              <a:t> 처리</a:t>
-            </a:r>
-            <a:endParaRPr lang="en-US" altLang="ko-KR" dirty="0"/>
-          </a:p>
-          <a:p>
-            <a:r>
-              <a:rPr lang="ko-KR" altLang="en-US" dirty="0"/>
-              <a:t>파라미터 튜닝</a:t>
-            </a:r>
-            <a:endParaRPr lang="en-US" altLang="ko-KR" dirty="0"/>
-          </a:p>
-          <a:p>
-            <a:endParaRPr lang="en-AU" dirty="0"/>
-          </a:p>
-        </p:txBody>
-      </p:sp>
-    </p:spTree>
-    <p:extLst>
-      <p:ext uri="{BB962C8B-B14F-4D97-AF65-F5344CB8AC3E}">
-        <p14:creationId xmlns:p14="http://schemas.microsoft.com/office/powerpoint/2010/main" val="571191695"/>
-      </p:ext>
-    </p:extLst>
-  </p:cSld>
-  <p:clrMapOvr>
-    <a:masterClrMapping/>
-  </p:clrMapOvr>
-</p:sld>
-</file>
-
-<file path=ppt/slides/slide20.xml><?xml version="1.0" encoding="utf-8"?>
+<file path=ppt/slides/slide22.xml><?xml version="1.0" encoding="utf-8"?>
 <p:sld xmlns:a="http://schemas.openxmlformats.org/drawingml/2006/main" xmlns:r="http://schemas.openxmlformats.org/officeDocument/2006/relationships" xmlns:p="http://schemas.openxmlformats.org/presentationml/2006/main">
   <p:cSld>
     <p:spTree>
@@ -8207,7 +10332,7 @@
 </p:sld>
 </file>
 
-<file path=ppt/slides/slide21.xml><?xml version="1.0" encoding="utf-8"?>
+<file path=ppt/slides/slide23.xml><?xml version="1.0" encoding="utf-8"?>
 <p:sld xmlns:a="http://schemas.openxmlformats.org/drawingml/2006/main" xmlns:r="http://schemas.openxmlformats.org/officeDocument/2006/relationships" xmlns:p="http://schemas.openxmlformats.org/presentationml/2006/main">
   <p:cSld>
     <p:spTree>
@@ -8343,7 +10468,7 @@
 </p:sld>
 </file>
 
-<file path=ppt/slides/slide22.xml><?xml version="1.0" encoding="utf-8"?>
+<file path=ppt/slides/slide24.xml><?xml version="1.0" encoding="utf-8"?>
 <p:sld xmlns:a="http://schemas.openxmlformats.org/drawingml/2006/main" xmlns:r="http://schemas.openxmlformats.org/officeDocument/2006/relationships" xmlns:p="http://schemas.openxmlformats.org/presentationml/2006/main">
   <p:cSld>
     <p:spTree>
@@ -8605,326 +10730,6 @@
 </p:sld>
 </file>
 
-<file path=ppt/slides/slide23.xml><?xml version="1.0" encoding="utf-8"?>
-<p:sld xmlns:a="http://schemas.openxmlformats.org/drawingml/2006/main" xmlns:r="http://schemas.openxmlformats.org/officeDocument/2006/relationships" xmlns:p="http://schemas.openxmlformats.org/presentationml/2006/main">
-  <p:cSld>
-    <p:spTree>
-      <p:nvGrpSpPr>
-        <p:cNvPr id="1" name=""/>
-        <p:cNvGrpSpPr/>
-        <p:nvPr/>
-      </p:nvGrpSpPr>
-      <p:grpSpPr>
-        <a:xfrm>
-          <a:off x="0" y="0"/>
-          <a:ext cx="0" cy="0"/>
-          <a:chOff x="0" y="0"/>
-          <a:chExt cx="0" cy="0"/>
-        </a:xfrm>
-      </p:grpSpPr>
-      <p:sp>
-        <p:nvSpPr>
-          <p:cNvPr id="2" name="Title 1"/>
-          <p:cNvSpPr>
-            <a:spLocks noGrp="1"/>
-          </p:cNvSpPr>
-          <p:nvPr>
-            <p:ph type="title"/>
-          </p:nvPr>
-        </p:nvSpPr>
-        <p:spPr/>
-        <p:txBody>
-          <a:bodyPr/>
-          <a:lstStyle/>
-          <a:p>
-            <a:r>
-              <a:rPr lang="en-AU" dirty="0"/>
-              <a:t>Missing Values</a:t>
-            </a:r>
-          </a:p>
-        </p:txBody>
-      </p:sp>
-      <p:sp>
-        <p:nvSpPr>
-          <p:cNvPr id="3" name="Content Placeholder 2"/>
-          <p:cNvSpPr>
-            <a:spLocks noGrp="1"/>
-          </p:cNvSpPr>
-          <p:nvPr>
-            <p:ph idx="1"/>
-          </p:nvPr>
-        </p:nvSpPr>
-        <p:spPr/>
-        <p:txBody>
-          <a:bodyPr/>
-          <a:lstStyle/>
-          <a:p>
-            <a:pPr marL="0" indent="0">
-              <a:buNone/>
-            </a:pPr>
-            <a:r>
-              <a:rPr lang="en-AU" dirty="0"/>
-              <a:t>Missing values for</a:t>
-            </a:r>
-          </a:p>
-          <a:p>
-            <a:pPr marL="0" indent="0">
-              <a:buNone/>
-            </a:pPr>
-            <a:r>
-              <a:rPr lang="en-AU" dirty="0"/>
-              <a:t>Building Areas</a:t>
-            </a:r>
-          </a:p>
-          <a:p>
-            <a:pPr marL="0" indent="0">
-              <a:buNone/>
-            </a:pPr>
-            <a:r>
-              <a:rPr lang="en-AU" dirty="0" err="1"/>
-              <a:t>Yearbuilt</a:t>
-            </a:r>
-            <a:endParaRPr lang="en-AU" dirty="0"/>
-          </a:p>
-          <a:p>
-            <a:pPr marL="0" indent="0">
-              <a:buNone/>
-            </a:pPr>
-            <a:r>
-              <a:rPr lang="en-AU" dirty="0" err="1"/>
-              <a:t>Landsize</a:t>
-            </a:r>
-            <a:r>
-              <a:rPr lang="en-AU" dirty="0"/>
-              <a:t> ONLY for townhouses and houses</a:t>
-            </a:r>
-          </a:p>
-          <a:p>
-            <a:pPr marL="0" indent="0">
-              <a:buNone/>
-            </a:pPr>
-            <a:endParaRPr lang="en-AU" dirty="0"/>
-          </a:p>
-          <a:p>
-            <a:pPr marL="0" indent="0">
-              <a:buNone/>
-            </a:pPr>
-            <a:r>
-              <a:rPr lang="en-AU" dirty="0"/>
-              <a:t>Used </a:t>
-            </a:r>
-            <a:r>
-              <a:rPr lang="en-AU" dirty="0" err="1"/>
-              <a:t>xgboost</a:t>
-            </a:r>
-            <a:r>
-              <a:rPr lang="en-AU" dirty="0"/>
-              <a:t> to impute missing values. For all three, used all existing data in training set</a:t>
-            </a:r>
-          </a:p>
-        </p:txBody>
-      </p:sp>
-    </p:spTree>
-    <p:extLst>
-      <p:ext uri="{BB962C8B-B14F-4D97-AF65-F5344CB8AC3E}">
-        <p14:creationId xmlns:p14="http://schemas.microsoft.com/office/powerpoint/2010/main" val="1021612237"/>
-      </p:ext>
-    </p:extLst>
-  </p:cSld>
-  <p:clrMapOvr>
-    <a:masterClrMapping/>
-  </p:clrMapOvr>
-</p:sld>
-</file>
-
-<file path=ppt/slides/slide24.xml><?xml version="1.0" encoding="utf-8"?>
-<p:sld xmlns:a="http://schemas.openxmlformats.org/drawingml/2006/main" xmlns:r="http://schemas.openxmlformats.org/officeDocument/2006/relationships" xmlns:p="http://schemas.openxmlformats.org/presentationml/2006/main">
-  <p:cSld>
-    <p:spTree>
-      <p:nvGrpSpPr>
-        <p:cNvPr id="1" name=""/>
-        <p:cNvGrpSpPr/>
-        <p:nvPr/>
-      </p:nvGrpSpPr>
-      <p:grpSpPr>
-        <a:xfrm>
-          <a:off x="0" y="0"/>
-          <a:ext cx="0" cy="0"/>
-          <a:chOff x="0" y="0"/>
-          <a:chExt cx="0" cy="0"/>
-        </a:xfrm>
-      </p:grpSpPr>
-      <p:sp>
-        <p:nvSpPr>
-          <p:cNvPr id="2" name="Title 1"/>
-          <p:cNvSpPr>
-            <a:spLocks noGrp="1"/>
-          </p:cNvSpPr>
-          <p:nvPr>
-            <p:ph type="title"/>
-          </p:nvPr>
-        </p:nvSpPr>
-        <p:spPr/>
-        <p:txBody>
-          <a:bodyPr/>
-          <a:lstStyle/>
-          <a:p>
-            <a:r>
-              <a:rPr lang="en-AU" dirty="0"/>
-              <a:t>Adding in extra features?</a:t>
-            </a:r>
-          </a:p>
-        </p:txBody>
-      </p:sp>
-      <p:sp>
-        <p:nvSpPr>
-          <p:cNvPr id="3" name="Content Placeholder 2"/>
-          <p:cNvSpPr>
-            <a:spLocks noGrp="1"/>
-          </p:cNvSpPr>
-          <p:nvPr>
-            <p:ph idx="1"/>
-          </p:nvPr>
-        </p:nvSpPr>
-        <p:spPr/>
-        <p:txBody>
-          <a:bodyPr>
-            <a:normAutofit fontScale="85000" lnSpcReduction="20000"/>
-          </a:bodyPr>
-          <a:lstStyle/>
-          <a:p>
-            <a:pPr marL="0" indent="0">
-              <a:buNone/>
-            </a:pPr>
-            <a:r>
-              <a:rPr lang="en-AU" sz="2500" dirty="0"/>
-              <a:t>I added in some extra features</a:t>
-            </a:r>
-          </a:p>
-          <a:p>
-            <a:pPr>
-              <a:buFontTx/>
-              <a:buChar char="-"/>
-            </a:pPr>
-            <a:r>
-              <a:rPr lang="en-AU" sz="2500" dirty="0" err="1"/>
-              <a:t>BuildingArea</a:t>
-            </a:r>
-            <a:r>
-              <a:rPr lang="en-AU" sz="2500" dirty="0"/>
-              <a:t>/</a:t>
-            </a:r>
-            <a:r>
-              <a:rPr lang="en-AU" sz="2500" dirty="0" err="1"/>
-              <a:t>Landsize</a:t>
-            </a:r>
-            <a:endParaRPr lang="en-AU" sz="2500" dirty="0"/>
-          </a:p>
-          <a:p>
-            <a:pPr>
-              <a:buFontTx/>
-              <a:buChar char="-"/>
-            </a:pPr>
-            <a:r>
-              <a:rPr lang="en-AU" sz="2500" dirty="0"/>
-              <a:t>Rooms/</a:t>
-            </a:r>
-            <a:r>
-              <a:rPr lang="en-AU" sz="2500" dirty="0" err="1"/>
-              <a:t>BuildingArea</a:t>
-            </a:r>
-            <a:endParaRPr lang="en-AU" sz="2500" dirty="0"/>
-          </a:p>
-          <a:p>
-            <a:pPr>
-              <a:buFontTx/>
-              <a:buChar char="-"/>
-            </a:pPr>
-            <a:r>
-              <a:rPr lang="en-AU" sz="2500" dirty="0"/>
-              <a:t>Car/</a:t>
-            </a:r>
-            <a:r>
-              <a:rPr lang="en-AU" sz="2500" dirty="0" err="1"/>
-              <a:t>BuildingArea</a:t>
-            </a:r>
-            <a:endParaRPr lang="en-AU" sz="2500" dirty="0"/>
-          </a:p>
-          <a:p>
-            <a:pPr>
-              <a:buFontTx/>
-              <a:buChar char="-"/>
-            </a:pPr>
-            <a:r>
-              <a:rPr lang="en-AU" sz="2500" dirty="0"/>
-              <a:t>Bathroom/</a:t>
-            </a:r>
-            <a:r>
-              <a:rPr lang="en-AU" sz="2500" dirty="0" err="1"/>
-              <a:t>BuildingArea</a:t>
-            </a:r>
-            <a:endParaRPr lang="en-AU" sz="2500" dirty="0"/>
-          </a:p>
-          <a:p>
-            <a:pPr>
-              <a:buFontTx/>
-              <a:buChar char="-"/>
-            </a:pPr>
-            <a:r>
-              <a:rPr lang="en-AU" sz="2500" dirty="0" err="1"/>
-              <a:t>Landsize</a:t>
-            </a:r>
-            <a:r>
-              <a:rPr lang="en-AU" sz="2500" dirty="0"/>
-              <a:t>/Distance</a:t>
-            </a:r>
-          </a:p>
-          <a:p>
-            <a:pPr marL="0" indent="0">
-              <a:buNone/>
-            </a:pPr>
-            <a:endParaRPr lang="en-AU" sz="2500" dirty="0"/>
-          </a:p>
-          <a:p>
-            <a:pPr marL="0" indent="0">
-              <a:buNone/>
-            </a:pPr>
-            <a:r>
-              <a:rPr lang="en-AU" sz="2500" dirty="0"/>
-              <a:t>From the training, only the </a:t>
-            </a:r>
-            <a:r>
-              <a:rPr lang="en-AU" sz="2500" dirty="0" err="1"/>
-              <a:t>BuildingArea</a:t>
-            </a:r>
-            <a:r>
-              <a:rPr lang="en-AU" sz="2500" dirty="0"/>
-              <a:t>/</a:t>
-            </a:r>
-            <a:r>
-              <a:rPr lang="en-AU" sz="2500" dirty="0" err="1"/>
-              <a:t>Landsize</a:t>
-            </a:r>
-            <a:r>
-              <a:rPr lang="en-AU" sz="2500" dirty="0"/>
-              <a:t> appeared to improve the model</a:t>
-            </a:r>
-          </a:p>
-        </p:txBody>
-      </p:sp>
-    </p:spTree>
-    <p:extLst>
-      <p:ext uri="{BB962C8B-B14F-4D97-AF65-F5344CB8AC3E}">
-        <p14:creationId xmlns:p14="http://schemas.microsoft.com/office/powerpoint/2010/main" val="1605299109"/>
-      </p:ext>
-    </p:extLst>
-  </p:cSld>
-  <p:clrMapOvr>
-    <a:masterClrMapping/>
-  </p:clrMapOvr>
-</p:sld>
-</file>
-
 <file path=ppt/slides/slide25.xml><?xml version="1.0" encoding="utf-8"?>
 <p:sld xmlns:a="http://schemas.openxmlformats.org/drawingml/2006/main" xmlns:r="http://schemas.openxmlformats.org/officeDocument/2006/relationships" xmlns:p="http://schemas.openxmlformats.org/presentationml/2006/main">
   <p:cSld>
@@ -8959,6 +10764,326 @@
           <a:p>
             <a:r>
               <a:rPr lang="en-AU" dirty="0"/>
+              <a:t>Missing Values</a:t>
+            </a:r>
+          </a:p>
+        </p:txBody>
+      </p:sp>
+      <p:sp>
+        <p:nvSpPr>
+          <p:cNvPr id="3" name="Content Placeholder 2"/>
+          <p:cNvSpPr>
+            <a:spLocks noGrp="1"/>
+          </p:cNvSpPr>
+          <p:nvPr>
+            <p:ph idx="1"/>
+          </p:nvPr>
+        </p:nvSpPr>
+        <p:spPr/>
+        <p:txBody>
+          <a:bodyPr/>
+          <a:lstStyle/>
+          <a:p>
+            <a:pPr marL="0" indent="0">
+              <a:buNone/>
+            </a:pPr>
+            <a:r>
+              <a:rPr lang="en-AU" dirty="0"/>
+              <a:t>Missing values for</a:t>
+            </a:r>
+          </a:p>
+          <a:p>
+            <a:pPr marL="0" indent="0">
+              <a:buNone/>
+            </a:pPr>
+            <a:r>
+              <a:rPr lang="en-AU" dirty="0"/>
+              <a:t>Building Areas</a:t>
+            </a:r>
+          </a:p>
+          <a:p>
+            <a:pPr marL="0" indent="0">
+              <a:buNone/>
+            </a:pPr>
+            <a:r>
+              <a:rPr lang="en-AU" dirty="0" err="1"/>
+              <a:t>Yearbuilt</a:t>
+            </a:r>
+            <a:endParaRPr lang="en-AU" dirty="0"/>
+          </a:p>
+          <a:p>
+            <a:pPr marL="0" indent="0">
+              <a:buNone/>
+            </a:pPr>
+            <a:r>
+              <a:rPr lang="en-AU" dirty="0" err="1"/>
+              <a:t>Landsize</a:t>
+            </a:r>
+            <a:r>
+              <a:rPr lang="en-AU" dirty="0"/>
+              <a:t> ONLY for townhouses and houses</a:t>
+            </a:r>
+          </a:p>
+          <a:p>
+            <a:pPr marL="0" indent="0">
+              <a:buNone/>
+            </a:pPr>
+            <a:endParaRPr lang="en-AU" dirty="0"/>
+          </a:p>
+          <a:p>
+            <a:pPr marL="0" indent="0">
+              <a:buNone/>
+            </a:pPr>
+            <a:r>
+              <a:rPr lang="en-AU" dirty="0"/>
+              <a:t>Used </a:t>
+            </a:r>
+            <a:r>
+              <a:rPr lang="en-AU" dirty="0" err="1"/>
+              <a:t>xgboost</a:t>
+            </a:r>
+            <a:r>
+              <a:rPr lang="en-AU" dirty="0"/>
+              <a:t> to impute missing values. For all three, used all existing data in training set</a:t>
+            </a:r>
+          </a:p>
+        </p:txBody>
+      </p:sp>
+    </p:spTree>
+    <p:extLst>
+      <p:ext uri="{BB962C8B-B14F-4D97-AF65-F5344CB8AC3E}">
+        <p14:creationId xmlns:p14="http://schemas.microsoft.com/office/powerpoint/2010/main" val="1021612237"/>
+      </p:ext>
+    </p:extLst>
+  </p:cSld>
+  <p:clrMapOvr>
+    <a:masterClrMapping/>
+  </p:clrMapOvr>
+</p:sld>
+</file>
+
+<file path=ppt/slides/slide26.xml><?xml version="1.0" encoding="utf-8"?>
+<p:sld xmlns:a="http://schemas.openxmlformats.org/drawingml/2006/main" xmlns:r="http://schemas.openxmlformats.org/officeDocument/2006/relationships" xmlns:p="http://schemas.openxmlformats.org/presentationml/2006/main">
+  <p:cSld>
+    <p:spTree>
+      <p:nvGrpSpPr>
+        <p:cNvPr id="1" name=""/>
+        <p:cNvGrpSpPr/>
+        <p:nvPr/>
+      </p:nvGrpSpPr>
+      <p:grpSpPr>
+        <a:xfrm>
+          <a:off x="0" y="0"/>
+          <a:ext cx="0" cy="0"/>
+          <a:chOff x="0" y="0"/>
+          <a:chExt cx="0" cy="0"/>
+        </a:xfrm>
+      </p:grpSpPr>
+      <p:sp>
+        <p:nvSpPr>
+          <p:cNvPr id="2" name="Title 1"/>
+          <p:cNvSpPr>
+            <a:spLocks noGrp="1"/>
+          </p:cNvSpPr>
+          <p:nvPr>
+            <p:ph type="title"/>
+          </p:nvPr>
+        </p:nvSpPr>
+        <p:spPr/>
+        <p:txBody>
+          <a:bodyPr/>
+          <a:lstStyle/>
+          <a:p>
+            <a:r>
+              <a:rPr lang="en-AU" dirty="0"/>
+              <a:t>Adding in extra features?</a:t>
+            </a:r>
+          </a:p>
+        </p:txBody>
+      </p:sp>
+      <p:sp>
+        <p:nvSpPr>
+          <p:cNvPr id="3" name="Content Placeholder 2"/>
+          <p:cNvSpPr>
+            <a:spLocks noGrp="1"/>
+          </p:cNvSpPr>
+          <p:nvPr>
+            <p:ph idx="1"/>
+          </p:nvPr>
+        </p:nvSpPr>
+        <p:spPr/>
+        <p:txBody>
+          <a:bodyPr>
+            <a:normAutofit fontScale="85000" lnSpcReduction="20000"/>
+          </a:bodyPr>
+          <a:lstStyle/>
+          <a:p>
+            <a:pPr marL="0" indent="0">
+              <a:buNone/>
+            </a:pPr>
+            <a:r>
+              <a:rPr lang="en-AU" sz="2500" dirty="0"/>
+              <a:t>I added in some extra features</a:t>
+            </a:r>
+          </a:p>
+          <a:p>
+            <a:pPr>
+              <a:buFontTx/>
+              <a:buChar char="-"/>
+            </a:pPr>
+            <a:r>
+              <a:rPr lang="en-AU" sz="2500" dirty="0" err="1"/>
+              <a:t>BuildingArea</a:t>
+            </a:r>
+            <a:r>
+              <a:rPr lang="en-AU" sz="2500" dirty="0"/>
+              <a:t>/</a:t>
+            </a:r>
+            <a:r>
+              <a:rPr lang="en-AU" sz="2500" dirty="0" err="1"/>
+              <a:t>Landsize</a:t>
+            </a:r>
+            <a:endParaRPr lang="en-AU" sz="2500" dirty="0"/>
+          </a:p>
+          <a:p>
+            <a:pPr>
+              <a:buFontTx/>
+              <a:buChar char="-"/>
+            </a:pPr>
+            <a:r>
+              <a:rPr lang="en-AU" sz="2500" dirty="0"/>
+              <a:t>Rooms/</a:t>
+            </a:r>
+            <a:r>
+              <a:rPr lang="en-AU" sz="2500" dirty="0" err="1"/>
+              <a:t>BuildingArea</a:t>
+            </a:r>
+            <a:endParaRPr lang="en-AU" sz="2500" dirty="0"/>
+          </a:p>
+          <a:p>
+            <a:pPr>
+              <a:buFontTx/>
+              <a:buChar char="-"/>
+            </a:pPr>
+            <a:r>
+              <a:rPr lang="en-AU" sz="2500" dirty="0"/>
+              <a:t>Car/</a:t>
+            </a:r>
+            <a:r>
+              <a:rPr lang="en-AU" sz="2500" dirty="0" err="1"/>
+              <a:t>BuildingArea</a:t>
+            </a:r>
+            <a:endParaRPr lang="en-AU" sz="2500" dirty="0"/>
+          </a:p>
+          <a:p>
+            <a:pPr>
+              <a:buFontTx/>
+              <a:buChar char="-"/>
+            </a:pPr>
+            <a:r>
+              <a:rPr lang="en-AU" sz="2500" dirty="0"/>
+              <a:t>Bathroom/</a:t>
+            </a:r>
+            <a:r>
+              <a:rPr lang="en-AU" sz="2500" dirty="0" err="1"/>
+              <a:t>BuildingArea</a:t>
+            </a:r>
+            <a:endParaRPr lang="en-AU" sz="2500" dirty="0"/>
+          </a:p>
+          <a:p>
+            <a:pPr>
+              <a:buFontTx/>
+              <a:buChar char="-"/>
+            </a:pPr>
+            <a:r>
+              <a:rPr lang="en-AU" sz="2500" dirty="0" err="1"/>
+              <a:t>Landsize</a:t>
+            </a:r>
+            <a:r>
+              <a:rPr lang="en-AU" sz="2500" dirty="0"/>
+              <a:t>/Distance</a:t>
+            </a:r>
+          </a:p>
+          <a:p>
+            <a:pPr marL="0" indent="0">
+              <a:buNone/>
+            </a:pPr>
+            <a:endParaRPr lang="en-AU" sz="2500" dirty="0"/>
+          </a:p>
+          <a:p>
+            <a:pPr marL="0" indent="0">
+              <a:buNone/>
+            </a:pPr>
+            <a:r>
+              <a:rPr lang="en-AU" sz="2500" dirty="0"/>
+              <a:t>From the training, only the </a:t>
+            </a:r>
+            <a:r>
+              <a:rPr lang="en-AU" sz="2500" dirty="0" err="1"/>
+              <a:t>BuildingArea</a:t>
+            </a:r>
+            <a:r>
+              <a:rPr lang="en-AU" sz="2500" dirty="0"/>
+              <a:t>/</a:t>
+            </a:r>
+            <a:r>
+              <a:rPr lang="en-AU" sz="2500" dirty="0" err="1"/>
+              <a:t>Landsize</a:t>
+            </a:r>
+            <a:r>
+              <a:rPr lang="en-AU" sz="2500" dirty="0"/>
+              <a:t> appeared to improve the model</a:t>
+            </a:r>
+          </a:p>
+        </p:txBody>
+      </p:sp>
+    </p:spTree>
+    <p:extLst>
+      <p:ext uri="{BB962C8B-B14F-4D97-AF65-F5344CB8AC3E}">
+        <p14:creationId xmlns:p14="http://schemas.microsoft.com/office/powerpoint/2010/main" val="1605299109"/>
+      </p:ext>
+    </p:extLst>
+  </p:cSld>
+  <p:clrMapOvr>
+    <a:masterClrMapping/>
+  </p:clrMapOvr>
+</p:sld>
+</file>
+
+<file path=ppt/slides/slide27.xml><?xml version="1.0" encoding="utf-8"?>
+<p:sld xmlns:a="http://schemas.openxmlformats.org/drawingml/2006/main" xmlns:r="http://schemas.openxmlformats.org/officeDocument/2006/relationships" xmlns:p="http://schemas.openxmlformats.org/presentationml/2006/main">
+  <p:cSld>
+    <p:spTree>
+      <p:nvGrpSpPr>
+        <p:cNvPr id="1" name=""/>
+        <p:cNvGrpSpPr/>
+        <p:nvPr/>
+      </p:nvGrpSpPr>
+      <p:grpSpPr>
+        <a:xfrm>
+          <a:off x="0" y="0"/>
+          <a:ext cx="0" cy="0"/>
+          <a:chOff x="0" y="0"/>
+          <a:chExt cx="0" cy="0"/>
+        </a:xfrm>
+      </p:grpSpPr>
+      <p:sp>
+        <p:nvSpPr>
+          <p:cNvPr id="2" name="Title 1"/>
+          <p:cNvSpPr>
+            <a:spLocks noGrp="1"/>
+          </p:cNvSpPr>
+          <p:nvPr>
+            <p:ph type="title"/>
+          </p:nvPr>
+        </p:nvSpPr>
+        <p:spPr/>
+        <p:txBody>
+          <a:bodyPr/>
+          <a:lstStyle/>
+          <a:p>
+            <a:r>
+              <a:rPr lang="en-AU" dirty="0"/>
               <a:t>Features chosen for model</a:t>
             </a:r>
           </a:p>
@@ -9028,7 +11153,7 @@
 </p:sld>
 </file>
 
-<file path=ppt/slides/slide26.xml><?xml version="1.0" encoding="utf-8"?>
+<file path=ppt/slides/slide28.xml><?xml version="1.0" encoding="utf-8"?>
 <p:sld xmlns:a="http://schemas.openxmlformats.org/drawingml/2006/main" xmlns:r="http://schemas.openxmlformats.org/officeDocument/2006/relationships" xmlns:p="http://schemas.openxmlformats.org/presentationml/2006/main">
   <p:cSld>
     <p:spTree>
@@ -9219,7 +11344,7 @@
 </p:sld>
 </file>
 
-<file path=ppt/slides/slide27.xml><?xml version="1.0" encoding="utf-8"?>
+<file path=ppt/slides/slide29.xml><?xml version="1.0" encoding="utf-8"?>
 <p:sld xmlns:a="http://schemas.openxmlformats.org/drawingml/2006/main" xmlns:r="http://schemas.openxmlformats.org/officeDocument/2006/relationships" xmlns:p="http://schemas.openxmlformats.org/presentationml/2006/main">
   <p:cSld>
     <p:spTree>
@@ -9347,7 +11472,7 @@
           <p:cNvPr id="6" name="그림 5">
             <a:extLst>
               <a:ext uri="{FF2B5EF4-FFF2-40B4-BE49-F238E27FC236}">
-                <a16:creationId xmlns:a16="http://schemas.microsoft.com/office/drawing/2014/main" id="{A9EE5AAF-33BF-432B-A3FC-DEFC70513BC5}"/>
+                <a16:creationId xmlns:a16="http://schemas.microsoft.com/office/drawing/2014/main" xmlns="" id="{A9EE5AAF-33BF-432B-A3FC-DEFC70513BC5}"/>
               </a:ext>
             </a:extLst>
           </p:cNvPr>
@@ -9376,7 +11501,7 @@
           <p:cNvPr id="7" name="그림 6">
             <a:extLst>
               <a:ext uri="{FF2B5EF4-FFF2-40B4-BE49-F238E27FC236}">
-                <a16:creationId xmlns:a16="http://schemas.microsoft.com/office/drawing/2014/main" id="{8D4ADA68-2E3C-4FDF-84F4-A004A4F1144C}"/>
+                <a16:creationId xmlns:a16="http://schemas.microsoft.com/office/drawing/2014/main" xmlns="" id="{8D4ADA68-2E3C-4FDF-84F4-A004A4F1144C}"/>
               </a:ext>
             </a:extLst>
           </p:cNvPr>
@@ -9406,7 +11531,7 @@
           <p:cNvPr id="8" name="Content Placeholder 2">
             <a:extLst>
               <a:ext uri="{FF2B5EF4-FFF2-40B4-BE49-F238E27FC236}">
-                <a16:creationId xmlns:a16="http://schemas.microsoft.com/office/drawing/2014/main" id="{F54A030B-68DD-4CBA-89BE-44B8EBF4C2B8}"/>
+                <a16:creationId xmlns:a16="http://schemas.microsoft.com/office/drawing/2014/main" xmlns="" id="{F54A030B-68DD-4CBA-89BE-44B8EBF4C2B8}"/>
               </a:ext>
             </a:extLst>
           </p:cNvPr>
@@ -9608,7 +11733,7 @@
           <p:cNvPr id="9" name="그림 8">
             <a:extLst>
               <a:ext uri="{FF2B5EF4-FFF2-40B4-BE49-F238E27FC236}">
-                <a16:creationId xmlns:a16="http://schemas.microsoft.com/office/drawing/2014/main" id="{B5692E71-A649-4DE4-9761-463E9A47436F}"/>
+                <a16:creationId xmlns:a16="http://schemas.microsoft.com/office/drawing/2014/main" xmlns="" id="{B5692E71-A649-4DE4-9761-463E9A47436F}"/>
               </a:ext>
             </a:extLst>
           </p:cNvPr>
@@ -9833,7 +11958,7 @@
           <p:cNvPr id="5" name="그림 4">
             <a:extLst>
               <a:ext uri="{FF2B5EF4-FFF2-40B4-BE49-F238E27FC236}">
-                <a16:creationId xmlns:a16="http://schemas.microsoft.com/office/drawing/2014/main" id="{C3FA1367-C9BA-4AC2-A8ED-00C151E7446A}"/>
+                <a16:creationId xmlns:a16="http://schemas.microsoft.com/office/drawing/2014/main" xmlns="" id="{C3FA1367-C9BA-4AC2-A8ED-00C151E7446A}"/>
               </a:ext>
             </a:extLst>
           </p:cNvPr>
@@ -10002,7 +12127,7 @@
           <p:cNvPr id="5" name="그림 4">
             <a:extLst>
               <a:ext uri="{FF2B5EF4-FFF2-40B4-BE49-F238E27FC236}">
-                <a16:creationId xmlns:a16="http://schemas.microsoft.com/office/drawing/2014/main" id="{90293288-0AB0-4EB0-A478-B8E910898E6D}"/>
+                <a16:creationId xmlns:a16="http://schemas.microsoft.com/office/drawing/2014/main" xmlns="" id="{90293288-0AB0-4EB0-A478-B8E910898E6D}"/>
               </a:ext>
             </a:extLst>
           </p:cNvPr>
@@ -10032,7 +12157,7 @@
           <p:cNvPr id="8" name="그림 7">
             <a:extLst>
               <a:ext uri="{FF2B5EF4-FFF2-40B4-BE49-F238E27FC236}">
-                <a16:creationId xmlns:a16="http://schemas.microsoft.com/office/drawing/2014/main" id="{22FCEA0A-5EC5-4AD1-946B-6FECA2D63711}"/>
+                <a16:creationId xmlns:a16="http://schemas.microsoft.com/office/drawing/2014/main" xmlns="" id="{22FCEA0A-5EC5-4AD1-946B-6FECA2D63711}"/>
               </a:ext>
             </a:extLst>
           </p:cNvPr>
@@ -10062,7 +12187,7 @@
           <p:cNvPr id="10" name="그룹 9">
             <a:extLst>
               <a:ext uri="{FF2B5EF4-FFF2-40B4-BE49-F238E27FC236}">
-                <a16:creationId xmlns:a16="http://schemas.microsoft.com/office/drawing/2014/main" id="{B4E4F1B1-603B-479E-8290-BFAC6519A0D7}"/>
+                <a16:creationId xmlns:a16="http://schemas.microsoft.com/office/drawing/2014/main" xmlns="" id="{B4E4F1B1-603B-479E-8290-BFAC6519A0D7}"/>
               </a:ext>
             </a:extLst>
           </p:cNvPr>
@@ -10082,7 +12207,7 @@
             <p:cNvPr id="4" name="그림 3">
               <a:extLst>
                 <a:ext uri="{FF2B5EF4-FFF2-40B4-BE49-F238E27FC236}">
-                  <a16:creationId xmlns:a16="http://schemas.microsoft.com/office/drawing/2014/main" id="{511ACD22-ED60-45CB-A804-3B4F11318BA3}"/>
+                  <a16:creationId xmlns:a16="http://schemas.microsoft.com/office/drawing/2014/main" xmlns="" id="{511ACD22-ED60-45CB-A804-3B4F11318BA3}"/>
                 </a:ext>
               </a:extLst>
             </p:cNvPr>
@@ -10112,7 +12237,7 @@
             <p:cNvPr id="9" name="직사각형 8">
               <a:extLst>
                 <a:ext uri="{FF2B5EF4-FFF2-40B4-BE49-F238E27FC236}">
-                  <a16:creationId xmlns:a16="http://schemas.microsoft.com/office/drawing/2014/main" id="{8E8EDA30-995B-442E-B6A9-9B855D455174}"/>
+                  <a16:creationId xmlns:a16="http://schemas.microsoft.com/office/drawing/2014/main" xmlns="" id="{8E8EDA30-995B-442E-B6A9-9B855D455174}"/>
                 </a:ext>
               </a:extLst>
             </p:cNvPr>
@@ -10165,7 +12290,7 @@
           <p:cNvPr id="11" name="Content Placeholder 2">
             <a:extLst>
               <a:ext uri="{FF2B5EF4-FFF2-40B4-BE49-F238E27FC236}">
-                <a16:creationId xmlns:a16="http://schemas.microsoft.com/office/drawing/2014/main" id="{9C8A6B67-6819-46FF-B33A-F3137100E3DD}"/>
+                <a16:creationId xmlns:a16="http://schemas.microsoft.com/office/drawing/2014/main" xmlns="" id="{9C8A6B67-6819-46FF-B33A-F3137100E3DD}"/>
               </a:ext>
             </a:extLst>
           </p:cNvPr>
@@ -10543,7 +12668,7 @@
           <p:cNvPr id="11" name="Content Placeholder 2">
             <a:extLst>
               <a:ext uri="{FF2B5EF4-FFF2-40B4-BE49-F238E27FC236}">
-                <a16:creationId xmlns:a16="http://schemas.microsoft.com/office/drawing/2014/main" id="{9C8A6B67-6819-46FF-B33A-F3137100E3DD}"/>
+                <a16:creationId xmlns:a16="http://schemas.microsoft.com/office/drawing/2014/main" xmlns="" id="{9C8A6B67-6819-46FF-B33A-F3137100E3DD}"/>
               </a:ext>
             </a:extLst>
           </p:cNvPr>
@@ -10781,7 +12906,7 @@
           <p:cNvPr id="6" name="그림 5">
             <a:extLst>
               <a:ext uri="{FF2B5EF4-FFF2-40B4-BE49-F238E27FC236}">
-                <a16:creationId xmlns:a16="http://schemas.microsoft.com/office/drawing/2014/main" id="{92894FDE-F0E7-456D-B11D-091EEC2E422D}"/>
+                <a16:creationId xmlns:a16="http://schemas.microsoft.com/office/drawing/2014/main" xmlns="" id="{92894FDE-F0E7-456D-B11D-091EEC2E422D}"/>
               </a:ext>
             </a:extLst>
           </p:cNvPr>
@@ -10811,7 +12936,7 @@
           <p:cNvPr id="7" name="직사각형 6">
             <a:extLst>
               <a:ext uri="{FF2B5EF4-FFF2-40B4-BE49-F238E27FC236}">
-                <a16:creationId xmlns:a16="http://schemas.microsoft.com/office/drawing/2014/main" id="{FAA5110C-12B4-4A3F-82D0-0A15C6473B27}"/>
+                <a16:creationId xmlns:a16="http://schemas.microsoft.com/office/drawing/2014/main" xmlns="" id="{FAA5110C-12B4-4A3F-82D0-0A15C6473B27}"/>
               </a:ext>
             </a:extLst>
           </p:cNvPr>
@@ -10863,7 +12988,7 @@
           <p:cNvPr id="12" name="직사각형 11">
             <a:extLst>
               <a:ext uri="{FF2B5EF4-FFF2-40B4-BE49-F238E27FC236}">
-                <a16:creationId xmlns:a16="http://schemas.microsoft.com/office/drawing/2014/main" id="{2C7A7C9B-A784-4441-8DD4-258D124A90B8}"/>
+                <a16:creationId xmlns:a16="http://schemas.microsoft.com/office/drawing/2014/main" xmlns="" id="{2C7A7C9B-A784-4441-8DD4-258D124A90B8}"/>
               </a:ext>
             </a:extLst>
           </p:cNvPr>
@@ -10915,7 +13040,7 @@
           <p:cNvPr id="13" name="직사각형 12">
             <a:extLst>
               <a:ext uri="{FF2B5EF4-FFF2-40B4-BE49-F238E27FC236}">
-                <a16:creationId xmlns:a16="http://schemas.microsoft.com/office/drawing/2014/main" id="{1B75D1DE-74AC-4C12-A95D-F554BD448F09}"/>
+                <a16:creationId xmlns:a16="http://schemas.microsoft.com/office/drawing/2014/main" xmlns="" id="{1B75D1DE-74AC-4C12-A95D-F554BD448F09}"/>
               </a:ext>
             </a:extLst>
           </p:cNvPr>
@@ -10967,7 +13092,7 @@
           <p:cNvPr id="15" name="그림 14">
             <a:extLst>
               <a:ext uri="{FF2B5EF4-FFF2-40B4-BE49-F238E27FC236}">
-                <a16:creationId xmlns:a16="http://schemas.microsoft.com/office/drawing/2014/main" id="{214708B0-EE87-4C95-B5E5-4F6E111DC39C}"/>
+                <a16:creationId xmlns:a16="http://schemas.microsoft.com/office/drawing/2014/main" xmlns="" id="{214708B0-EE87-4C95-B5E5-4F6E111DC39C}"/>
               </a:ext>
             </a:extLst>
           </p:cNvPr>
@@ -10997,7 +13122,7 @@
           <p:cNvPr id="16" name="그림 15">
             <a:extLst>
               <a:ext uri="{FF2B5EF4-FFF2-40B4-BE49-F238E27FC236}">
-                <a16:creationId xmlns:a16="http://schemas.microsoft.com/office/drawing/2014/main" id="{C55F7955-027E-4C1D-8617-210997A552D6}"/>
+                <a16:creationId xmlns:a16="http://schemas.microsoft.com/office/drawing/2014/main" xmlns="" id="{C55F7955-027E-4C1D-8617-210997A552D6}"/>
               </a:ext>
             </a:extLst>
           </p:cNvPr>
@@ -11131,7 +13256,7 @@
           <p:cNvPr id="11" name="Content Placeholder 2">
             <a:extLst>
               <a:ext uri="{FF2B5EF4-FFF2-40B4-BE49-F238E27FC236}">
-                <a16:creationId xmlns:a16="http://schemas.microsoft.com/office/drawing/2014/main" id="{9C8A6B67-6819-46FF-B33A-F3137100E3DD}"/>
+                <a16:creationId xmlns:a16="http://schemas.microsoft.com/office/drawing/2014/main" xmlns="" id="{9C8A6B67-6819-46FF-B33A-F3137100E3DD}"/>
               </a:ext>
             </a:extLst>
           </p:cNvPr>
@@ -11369,7 +13494,7 @@
           <p:cNvPr id="4" name="그림 3">
             <a:extLst>
               <a:ext uri="{FF2B5EF4-FFF2-40B4-BE49-F238E27FC236}">
-                <a16:creationId xmlns:a16="http://schemas.microsoft.com/office/drawing/2014/main" id="{E215DCE0-B862-4EBA-9F01-EB55CC0D75B1}"/>
+                <a16:creationId xmlns:a16="http://schemas.microsoft.com/office/drawing/2014/main" xmlns="" id="{E215DCE0-B862-4EBA-9F01-EB55CC0D75B1}"/>
               </a:ext>
             </a:extLst>
           </p:cNvPr>
@@ -11399,7 +13524,7 @@
           <p:cNvPr id="5" name="그림 4">
             <a:extLst>
               <a:ext uri="{FF2B5EF4-FFF2-40B4-BE49-F238E27FC236}">
-                <a16:creationId xmlns:a16="http://schemas.microsoft.com/office/drawing/2014/main" id="{9FED6EFC-C6C6-4FE5-BB1C-7A981C386122}"/>
+                <a16:creationId xmlns:a16="http://schemas.microsoft.com/office/drawing/2014/main" xmlns="" id="{9FED6EFC-C6C6-4FE5-BB1C-7A981C386122}"/>
               </a:ext>
             </a:extLst>
           </p:cNvPr>
@@ -11543,7 +13668,7 @@
           <p:cNvPr id="11" name="Content Placeholder 2">
             <a:extLst>
               <a:ext uri="{FF2B5EF4-FFF2-40B4-BE49-F238E27FC236}">
-                <a16:creationId xmlns:a16="http://schemas.microsoft.com/office/drawing/2014/main" id="{9C8A6B67-6819-46FF-B33A-F3137100E3DD}"/>
+                <a16:creationId xmlns:a16="http://schemas.microsoft.com/office/drawing/2014/main" xmlns="" id="{9C8A6B67-6819-46FF-B33A-F3137100E3DD}"/>
               </a:ext>
             </a:extLst>
           </p:cNvPr>
@@ -11807,7 +13932,7 @@
           <p:cNvPr id="6" name="그림 5">
             <a:extLst>
               <a:ext uri="{FF2B5EF4-FFF2-40B4-BE49-F238E27FC236}">
-                <a16:creationId xmlns:a16="http://schemas.microsoft.com/office/drawing/2014/main" id="{FE33DA84-4E2B-4028-BD3E-B017AB945B7C}"/>
+                <a16:creationId xmlns:a16="http://schemas.microsoft.com/office/drawing/2014/main" xmlns="" id="{FE33DA84-4E2B-4028-BD3E-B017AB945B7C}"/>
               </a:ext>
             </a:extLst>
           </p:cNvPr>
@@ -11837,7 +13962,7 @@
           <p:cNvPr id="7" name="그림 6">
             <a:extLst>
               <a:ext uri="{FF2B5EF4-FFF2-40B4-BE49-F238E27FC236}">
-                <a16:creationId xmlns:a16="http://schemas.microsoft.com/office/drawing/2014/main" id="{4A276CC3-E55E-4BD8-AE91-21E82B5A3C5B}"/>
+                <a16:creationId xmlns:a16="http://schemas.microsoft.com/office/drawing/2014/main" xmlns="" id="{4A276CC3-E55E-4BD8-AE91-21E82B5A3C5B}"/>
               </a:ext>
             </a:extLst>
           </p:cNvPr>
@@ -12106,7 +14231,7 @@
   <a:extraClrSchemeLst/>
   <a:extLst>
     <a:ext uri="{05A4C25C-085E-4340-85A3-A5531E510DB2}">
-      <thm15:themeFamily xmlns:thm15="http://schemas.microsoft.com/office/thememl/2012/main" name="Quotable" id="{39EC5628-30ED-4578-ACD8-9820EDB8E15A}" vid="{6F3559E9-1A4C-49D8-94D4-F41003531C49}"/>
+      <thm15:themeFamily xmlns:thm15="http://schemas.microsoft.com/office/thememl/2012/main" xmlns="" name="Quotable" id="{39EC5628-30ED-4578-ACD8-9820EDB8E15A}" vid="{6F3559E9-1A4C-49D8-94D4-F41003531C49}"/>
     </a:ext>
   </a:extLst>
 </a:theme>
